--- a/doc/System_formulation_LFM.pptx
+++ b/doc/System_formulation_LFM.pptx
@@ -556,7 +556,7 @@
   <pc:docChgLst>
     <pc:chgData name="Øyvind Wiig Petersen" userId="8db00c4c-acc5-4dea-8516-ccf730572e42" providerId="ADAL" clId="{6A114068-6040-4243-8037-4A82180F7CAD}"/>
     <pc:docChg chg="undo custSel addSld delSld modSld sldOrd">
-      <pc:chgData name="Øyvind Wiig Petersen" userId="8db00c4c-acc5-4dea-8516-ccf730572e42" providerId="ADAL" clId="{6A114068-6040-4243-8037-4A82180F7CAD}" dt="2024-03-24T10:03:07.692" v="216" actId="1076"/>
+      <pc:chgData name="Øyvind Wiig Petersen" userId="8db00c4c-acc5-4dea-8516-ccf730572e42" providerId="ADAL" clId="{6A114068-6040-4243-8037-4A82180F7CAD}" dt="2024-04-02T13:01:06.030" v="269" actId="1076"/>
       <pc:docMkLst>
         <pc:docMk/>
       </pc:docMkLst>
@@ -733,13 +733,13 @@
         </pc:picChg>
       </pc:sldChg>
       <pc:sldChg chg="modSp mod">
-        <pc:chgData name="Øyvind Wiig Petersen" userId="8db00c4c-acc5-4dea-8516-ccf730572e42" providerId="ADAL" clId="{6A114068-6040-4243-8037-4A82180F7CAD}" dt="2024-03-24T09:57:29.606" v="37" actId="5793"/>
+        <pc:chgData name="Øyvind Wiig Petersen" userId="8db00c4c-acc5-4dea-8516-ccf730572e42" providerId="ADAL" clId="{6A114068-6040-4243-8037-4A82180F7CAD}" dt="2024-04-02T12:58:00.849" v="267" actId="21"/>
         <pc:sldMkLst>
           <pc:docMk/>
           <pc:sldMk cId="2641580211" sldId="612"/>
         </pc:sldMkLst>
         <pc:spChg chg="mod">
-          <ac:chgData name="Øyvind Wiig Petersen" userId="8db00c4c-acc5-4dea-8516-ccf730572e42" providerId="ADAL" clId="{6A114068-6040-4243-8037-4A82180F7CAD}" dt="2024-03-24T09:57:26.805" v="36" actId="5793"/>
+          <ac:chgData name="Øyvind Wiig Petersen" userId="8db00c4c-acc5-4dea-8516-ccf730572e42" providerId="ADAL" clId="{6A114068-6040-4243-8037-4A82180F7CAD}" dt="2024-04-02T12:57:50.385" v="260" actId="20577"/>
           <ac:spMkLst>
             <pc:docMk/>
             <pc:sldMk cId="2641580211" sldId="612"/>
@@ -747,7 +747,7 @@
           </ac:spMkLst>
         </pc:spChg>
         <pc:spChg chg="mod">
-          <ac:chgData name="Øyvind Wiig Petersen" userId="8db00c4c-acc5-4dea-8516-ccf730572e42" providerId="ADAL" clId="{6A114068-6040-4243-8037-4A82180F7CAD}" dt="2024-03-24T09:57:29.606" v="37" actId="5793"/>
+          <ac:chgData name="Øyvind Wiig Petersen" userId="8db00c4c-acc5-4dea-8516-ccf730572e42" providerId="ADAL" clId="{6A114068-6040-4243-8037-4A82180F7CAD}" dt="2024-04-02T12:58:00.849" v="267" actId="21"/>
           <ac:spMkLst>
             <pc:docMk/>
             <pc:sldMk cId="2641580211" sldId="612"/>
@@ -811,7 +811,7 @@
         </pc:graphicFrameChg>
       </pc:sldChg>
       <pc:sldChg chg="modSp mod">
-        <pc:chgData name="Øyvind Wiig Petersen" userId="8db00c4c-acc5-4dea-8516-ccf730572e42" providerId="ADAL" clId="{6A114068-6040-4243-8037-4A82180F7CAD}" dt="2024-03-24T10:01:45.761" v="204" actId="5793"/>
+        <pc:chgData name="Øyvind Wiig Petersen" userId="8db00c4c-acc5-4dea-8516-ccf730572e42" providerId="ADAL" clId="{6A114068-6040-4243-8037-4A82180F7CAD}" dt="2024-04-02T13:00:41.661" v="268" actId="1076"/>
         <pc:sldMkLst>
           <pc:docMk/>
           <pc:sldMk cId="531684205" sldId="614"/>
@@ -830,6 +830,14 @@
             <pc:docMk/>
             <pc:sldMk cId="531684205" sldId="614"/>
             <ac:spMk id="8" creationId="{36A7E46D-B20D-4BCA-BB75-C25AE67923A7}"/>
+          </ac:spMkLst>
+        </pc:spChg>
+        <pc:spChg chg="mod">
+          <ac:chgData name="Øyvind Wiig Petersen" userId="8db00c4c-acc5-4dea-8516-ccf730572e42" providerId="ADAL" clId="{6A114068-6040-4243-8037-4A82180F7CAD}" dt="2024-04-02T13:00:41.661" v="268" actId="1076"/>
+          <ac:spMkLst>
+            <pc:docMk/>
+            <pc:sldMk cId="531684205" sldId="614"/>
+            <ac:spMk id="12" creationId="{06E01A4A-F8F3-47BC-8EEC-66504D07BC57}"/>
           </ac:spMkLst>
         </pc:spChg>
         <pc:spChg chg="mod">
@@ -949,7 +957,7 @@
         </pc:sldMkLst>
       </pc:sldChg>
       <pc:sldChg chg="modSp mod">
-        <pc:chgData name="Øyvind Wiig Petersen" userId="8db00c4c-acc5-4dea-8516-ccf730572e42" providerId="ADAL" clId="{6A114068-6040-4243-8037-4A82180F7CAD}" dt="2024-03-24T10:03:07.692" v="216" actId="1076"/>
+        <pc:chgData name="Øyvind Wiig Petersen" userId="8db00c4c-acc5-4dea-8516-ccf730572e42" providerId="ADAL" clId="{6A114068-6040-4243-8037-4A82180F7CAD}" dt="2024-04-02T13:01:06.030" v="269" actId="1076"/>
         <pc:sldMkLst>
           <pc:docMk/>
           <pc:sldMk cId="3402309244" sldId="621"/>
@@ -968,6 +976,14 @@
             <pc:docMk/>
             <pc:sldMk cId="3402309244" sldId="621"/>
             <ac:graphicFrameMk id="4" creationId="{CB4375AA-82C1-BD10-F8FE-D861E5AF0A1F}"/>
+          </ac:graphicFrameMkLst>
+        </pc:graphicFrameChg>
+        <pc:graphicFrameChg chg="mod">
+          <ac:chgData name="Øyvind Wiig Petersen" userId="8db00c4c-acc5-4dea-8516-ccf730572e42" providerId="ADAL" clId="{6A114068-6040-4243-8037-4A82180F7CAD}" dt="2024-04-02T13:01:06.030" v="269" actId="1076"/>
+          <ac:graphicFrameMkLst>
+            <pc:docMk/>
+            <pc:sldMk cId="3402309244" sldId="621"/>
+            <ac:graphicFrameMk id="5" creationId="{A44449B5-B006-5A23-FADC-F4CDF9D37B71}"/>
           </ac:graphicFrameMkLst>
         </pc:graphicFrameChg>
         <pc:graphicFrameChg chg="mod">
@@ -1501,7 +1517,7 @@
           <a:p>
             <a:fld id="{A5900E29-18E1-4109-AAA1-F28C0AAA934D}" type="datetimeFigureOut">
               <a:rPr lang="en-US" smtClean="0"/>
-              <a:t>3/24/2024</a:t>
+              <a:t>4/2/2024</a:t>
             </a:fld>
             <a:endParaRPr lang="en-US"/>
           </a:p>
@@ -1666,7 +1682,7 @@
           <a:p>
             <a:fld id="{9202B75C-0EBB-4B30-BBC4-C5E69FFFE7FE}" type="datetimeFigureOut">
               <a:rPr lang="nb-NO" smtClean="0"/>
-              <a:t>24.03.2024</a:t>
+              <a:t>02.04.2024</a:t>
             </a:fld>
             <a:endParaRPr lang="nb-NO"/>
           </a:p>
@@ -6661,7 +6677,7 @@
         </p:nvSpPr>
         <p:spPr>
           <a:xfrm>
-            <a:off x="7284132" y="630518"/>
+            <a:off x="7392144" y="1356185"/>
             <a:ext cx="3905733" cy="782257"/>
           </a:xfrm>
           <a:prstGeom prst="roundRect">
@@ -6805,13 +6821,13 @@
           <p:nvPr>
             <p:extLst>
               <p:ext uri="{D42A27DB-BD31-4B8C-83A1-F6EECF244321}">
-                <p14:modId xmlns:p14="http://schemas.microsoft.com/office/powerpoint/2010/main" val="442537275"/>
+                <p14:modId xmlns:p14="http://schemas.microsoft.com/office/powerpoint/2010/main" val="4124044189"/>
               </p:ext>
             </p:extLst>
           </p:nvPr>
         </p:nvGraphicFramePr>
         <p:xfrm>
-          <a:off x="897436" y="1442832"/>
+          <a:off x="874713" y="1327469"/>
           <a:ext cx="6157913" cy="630237"/>
         </p:xfrm>
         <a:graphic>
@@ -6845,7 +6861,7 @@
                     </p:blipFill>
                     <p:spPr>
                       <a:xfrm>
-                        <a:off x="897436" y="1442832"/>
+                        <a:off x="874713" y="1327469"/>
                         <a:ext cx="6157913" cy="630237"/>
                       </a:xfrm>
                       <a:prstGeom prst="rect">
@@ -8593,7 +8609,7 @@
             </a:pPr>
             <a:r>
               <a:rPr lang="en-US" dirty="0"/>
-              <a:t>What are the covariance matrices for the two noise terms in discrete time?</a:t>
+              <a:t>Next: covariance matrices for the two noise terms in discrete time</a:t>
             </a:r>
           </a:p>
         </p:txBody>
@@ -8837,17 +8853,8 @@
             </a:pPr>
             <a:r>
               <a:rPr lang="en-US" dirty="0"/>
-              <a:t>Time discretization: subscript k for t=k</a:t>
-            </a:r>
-            <a:r>
-              <a:rPr lang="el-GR" dirty="0"/>
-              <a:t>Δ</a:t>
-            </a:r>
-            <a:r>
-              <a:rPr lang="nb-NO" dirty="0"/>
-              <a:t>t</a:t>
-            </a:r>
-            <a:endParaRPr lang="en-US" dirty="0"/>
+              <a:t>Discrete time solution:</a:t>
+            </a:r>
           </a:p>
         </p:txBody>
       </p:sp>
@@ -14786,18 +14793,18 @@
 </file>
 
 <file path=customXml/item1.xml><?xml version="1.0" encoding="utf-8"?>
+<p:properties xmlns:p="http://schemas.microsoft.com/office/2006/metadata/properties" xmlns:xsi="http://www.w3.org/2001/XMLSchema-instance" xmlns:pc="http://schemas.microsoft.com/office/infopath/2007/PartnerControls">
+  <documentManagement/>
+</p:properties>
+</file>
+
+<file path=customXml/item2.xml><?xml version="1.0" encoding="utf-8"?>
 <?mso-contentType ?>
 <FormTemplates xmlns="http://schemas.microsoft.com/sharepoint/v3/contenttype/forms">
   <Display>DocumentLibraryForm</Display>
   <Edit>DocumentLibraryForm</Edit>
   <New>DocumentLibraryForm</New>
 </FormTemplates>
-</file>
-
-<file path=customXml/item2.xml><?xml version="1.0" encoding="utf-8"?>
-<p:properties xmlns:p="http://schemas.microsoft.com/office/2006/metadata/properties" xmlns:xsi="http://www.w3.org/2001/XMLSchema-instance" xmlns:pc="http://schemas.microsoft.com/office/infopath/2007/PartnerControls">
-  <documentManagement/>
-</p:properties>
 </file>
 
 <file path=customXml/item3.xml><?xml version="1.0" encoding="utf-8"?>
@@ -15030,14 +15037,6 @@
 </file>
 
 <file path=customXml/itemProps1.xml><?xml version="1.0" encoding="utf-8"?>
-<ds:datastoreItem xmlns:ds="http://schemas.openxmlformats.org/officeDocument/2006/customXml" ds:itemID="{09F3C062-D38F-48CE-91BA-6E0D2C668D03}">
-  <ds:schemaRefs>
-    <ds:schemaRef ds:uri="http://schemas.microsoft.com/sharepoint/v3/contenttype/forms"/>
-  </ds:schemaRefs>
-</ds:datastoreItem>
-</file>
-
-<file path=customXml/itemProps2.xml><?xml version="1.0" encoding="utf-8"?>
 <ds:datastoreItem xmlns:ds="http://schemas.openxmlformats.org/officeDocument/2006/customXml" ds:itemID="{EC2C04E8-859A-4A48-8B82-9D65E9A426FA}">
   <ds:schemaRefs>
     <ds:schemaRef ds:uri="http://purl.org/dc/terms/"/>
@@ -15050,6 +15049,14 @@
     <ds:schemaRef ds:uri="bb43da5c-49da-475c-8c5c-3244aed61b0c"/>
     <ds:schemaRef ds:uri="http://www.w3.org/XML/1998/namespace"/>
     <ds:schemaRef ds:uri="http://purl.org/dc/dcmitype/"/>
+  </ds:schemaRefs>
+</ds:datastoreItem>
+</file>
+
+<file path=customXml/itemProps2.xml><?xml version="1.0" encoding="utf-8"?>
+<ds:datastoreItem xmlns:ds="http://schemas.openxmlformats.org/officeDocument/2006/customXml" ds:itemID="{09F3C062-D38F-48CE-91BA-6E0D2C668D03}">
+  <ds:schemaRefs>
+    <ds:schemaRef ds:uri="http://schemas.microsoft.com/sharepoint/v3/contenttype/forms"/>
   </ds:schemaRefs>
 </ds:datastoreItem>
 </file>

--- a/doc/System_formulation_LFM.pptx
+++ b/doc/System_formulation_LFM.pptx
@@ -176,7 +176,7 @@
 <file path=ppt/revisionInfo.xml><?xml version="1.0" encoding="utf-8"?>
 <p1510:revInfo xmlns:a="http://schemas.openxmlformats.org/drawingml/2006/main" xmlns:r="http://schemas.openxmlformats.org/officeDocument/2006/relationships" xmlns:p1510="http://schemas.microsoft.com/office/powerpoint/2015/10/main">
   <p1510:revLst>
-    <p1510:client id="{6A114068-6040-4243-8037-4A82180F7CAD}" v="9" dt="2024-03-24T10:02:57.350"/>
+    <p1510:client id="{B31D74AE-508C-4561-9C95-DF7ACC77AB13}" v="4" dt="2025-04-21T07:57:31.461"/>
   </p1510:revLst>
 </p1510:revInfo>
 </file>
@@ -196,14 +196,6 @@
           <pc:docMk/>
           <pc:sldMk cId="2297208258" sldId="571"/>
         </pc:sldMkLst>
-        <pc:spChg chg="mod">
-          <ac:chgData name="Øyvind Wiig Petersen" userId="8db00c4c-acc5-4dea-8516-ccf730572e42" providerId="ADAL" clId="{ED223E36-A47A-4F19-92CB-E23B5F917404}" dt="2022-09-16T07:26:13.052" v="33" actId="20577"/>
-          <ac:spMkLst>
-            <pc:docMk/>
-            <pc:sldMk cId="2297208258" sldId="571"/>
-            <ac:spMk id="5" creationId="{43E741B6-393D-4033-89CC-D7BE537464FE}"/>
-          </ac:spMkLst>
-        </pc:spChg>
       </pc:sldChg>
       <pc:sldChg chg="addSp delSp modSp del mod">
         <pc:chgData name="Øyvind Wiig Petersen" userId="8db00c4c-acc5-4dea-8516-ccf730572e42" providerId="ADAL" clId="{ED223E36-A47A-4F19-92CB-E23B5F917404}" dt="2022-09-16T07:25:49.915" v="17" actId="2696"/>
@@ -211,22 +203,6 @@
           <pc:docMk/>
           <pc:sldMk cId="1834186742" sldId="618"/>
         </pc:sldMkLst>
-        <pc:spChg chg="add del">
-          <ac:chgData name="Øyvind Wiig Petersen" userId="8db00c4c-acc5-4dea-8516-ccf730572e42" providerId="ADAL" clId="{ED223E36-A47A-4F19-92CB-E23B5F917404}" dt="2022-09-16T07:25:15.729" v="3"/>
-          <ac:spMkLst>
-            <pc:docMk/>
-            <pc:sldMk cId="1834186742" sldId="618"/>
-            <ac:spMk id="6" creationId="{6AAD5551-019F-2BB5-49A4-E44A7A1624A4}"/>
-          </ac:spMkLst>
-        </pc:spChg>
-        <pc:graphicFrameChg chg="add del mod">
-          <ac:chgData name="Øyvind Wiig Petersen" userId="8db00c4c-acc5-4dea-8516-ccf730572e42" providerId="ADAL" clId="{ED223E36-A47A-4F19-92CB-E23B5F917404}" dt="2022-09-16T07:25:26.322" v="6"/>
-          <ac:graphicFrameMkLst>
-            <pc:docMk/>
-            <pc:sldMk cId="1834186742" sldId="618"/>
-            <ac:graphicFrameMk id="3" creationId="{5FDD3D71-E045-A244-0E48-0E1BE0BAE849}"/>
-          </ac:graphicFrameMkLst>
-        </pc:graphicFrameChg>
       </pc:sldChg>
       <pc:sldChg chg="modSp add mod">
         <pc:chgData name="Øyvind Wiig Petersen" userId="8db00c4c-acc5-4dea-8516-ccf730572e42" providerId="ADAL" clId="{ED223E36-A47A-4F19-92CB-E23B5F917404}" dt="2022-09-16T07:25:47.076" v="16" actId="115"/>
@@ -234,22 +210,6 @@
           <pc:docMk/>
           <pc:sldMk cId="3122996818" sldId="619"/>
         </pc:sldMkLst>
-        <pc:spChg chg="mod">
-          <ac:chgData name="Øyvind Wiig Petersen" userId="8db00c4c-acc5-4dea-8516-ccf730572e42" providerId="ADAL" clId="{ED223E36-A47A-4F19-92CB-E23B5F917404}" dt="2022-09-16T07:25:47.076" v="16" actId="115"/>
-          <ac:spMkLst>
-            <pc:docMk/>
-            <pc:sldMk cId="3122996818" sldId="619"/>
-            <ac:spMk id="5" creationId="{88DF976C-9E0C-B282-871A-B232386F08E1}"/>
-          </ac:spMkLst>
-        </pc:spChg>
-        <pc:spChg chg="mod">
-          <ac:chgData name="Øyvind Wiig Petersen" userId="8db00c4c-acc5-4dea-8516-ccf730572e42" providerId="ADAL" clId="{ED223E36-A47A-4F19-92CB-E23B5F917404}" dt="2022-09-16T07:25:36.278" v="8"/>
-          <ac:spMkLst>
-            <pc:docMk/>
-            <pc:sldMk cId="3122996818" sldId="619"/>
-            <ac:spMk id="13" creationId="{348DDC63-D03F-4E4B-B5C0-63C3F1A3BC59}"/>
-          </ac:spMkLst>
-        </pc:spChg>
       </pc:sldChg>
     </pc:docChg>
   </pc:docChgLst>
@@ -266,22 +226,6 @@
           <pc:docMk/>
           <pc:sldMk cId="3155278157" sldId="574"/>
         </pc:sldMkLst>
-        <pc:graphicFrameChg chg="mod">
-          <ac:chgData name="Øyvind Wiig Petersen" userId="8db00c4c-acc5-4dea-8516-ccf730572e42" providerId="ADAL" clId="{05A6CDD1-6EC8-4613-8985-22F5A7D673CE}" dt="2023-12-08T13:41:56.625" v="16" actId="1076"/>
-          <ac:graphicFrameMkLst>
-            <pc:docMk/>
-            <pc:sldMk cId="3155278157" sldId="574"/>
-            <ac:graphicFrameMk id="23" creationId="{156672F3-3DB5-4752-9657-FDADE644C3FE}"/>
-          </ac:graphicFrameMkLst>
-        </pc:graphicFrameChg>
-        <pc:graphicFrameChg chg="mod">
-          <ac:chgData name="Øyvind Wiig Petersen" userId="8db00c4c-acc5-4dea-8516-ccf730572e42" providerId="ADAL" clId="{05A6CDD1-6EC8-4613-8985-22F5A7D673CE}" dt="2023-12-08T13:42:00.368" v="19" actId="1076"/>
-          <ac:graphicFrameMkLst>
-            <pc:docMk/>
-            <pc:sldMk cId="3155278157" sldId="574"/>
-            <ac:graphicFrameMk id="28" creationId="{2B200420-1686-46F4-A0B1-324125529FCE}"/>
-          </ac:graphicFrameMkLst>
-        </pc:graphicFrameChg>
       </pc:sldChg>
       <pc:sldChg chg="delSp modSp mod">
         <pc:chgData name="Øyvind Wiig Petersen" userId="8db00c4c-acc5-4dea-8516-ccf730572e42" providerId="ADAL" clId="{05A6CDD1-6EC8-4613-8985-22F5A7D673CE}" dt="2023-12-08T13:42:16.693" v="21" actId="478"/>
@@ -289,14 +233,6 @@
           <pc:docMk/>
           <pc:sldMk cId="2392343102" sldId="579"/>
         </pc:sldMkLst>
-        <pc:graphicFrameChg chg="del mod">
-          <ac:chgData name="Øyvind Wiig Petersen" userId="8db00c4c-acc5-4dea-8516-ccf730572e42" providerId="ADAL" clId="{05A6CDD1-6EC8-4613-8985-22F5A7D673CE}" dt="2023-12-08T13:42:16.693" v="21" actId="478"/>
-          <ac:graphicFrameMkLst>
-            <pc:docMk/>
-            <pc:sldMk cId="2392343102" sldId="579"/>
-            <ac:graphicFrameMk id="3" creationId="{31A4F877-1601-E8A1-1B8F-0BA1D3C78703}"/>
-          </ac:graphicFrameMkLst>
-        </pc:graphicFrameChg>
       </pc:sldChg>
       <pc:sldChg chg="modSp">
         <pc:chgData name="Øyvind Wiig Petersen" userId="8db00c4c-acc5-4dea-8516-ccf730572e42" providerId="ADAL" clId="{05A6CDD1-6EC8-4613-8985-22F5A7D673CE}" dt="2023-12-10T09:11:11.545" v="206"/>
@@ -304,14 +240,6 @@
           <pc:docMk/>
           <pc:sldMk cId="2641580211" sldId="612"/>
         </pc:sldMkLst>
-        <pc:graphicFrameChg chg="mod">
-          <ac:chgData name="Øyvind Wiig Petersen" userId="8db00c4c-acc5-4dea-8516-ccf730572e42" providerId="ADAL" clId="{05A6CDD1-6EC8-4613-8985-22F5A7D673CE}" dt="2023-12-10T09:11:11.545" v="206"/>
-          <ac:graphicFrameMkLst>
-            <pc:docMk/>
-            <pc:sldMk cId="2641580211" sldId="612"/>
-            <ac:graphicFrameMk id="16" creationId="{740089CC-02D9-402A-9A75-35363D2220EE}"/>
-          </ac:graphicFrameMkLst>
-        </pc:graphicFrameChg>
       </pc:sldChg>
       <pc:sldChg chg="addSp delSp modSp mod">
         <pc:chgData name="Øyvind Wiig Petersen" userId="8db00c4c-acc5-4dea-8516-ccf730572e42" providerId="ADAL" clId="{05A6CDD1-6EC8-4613-8985-22F5A7D673CE}" dt="2023-12-13T11:40:00.466" v="281" actId="478"/>
@@ -319,70 +247,6 @@
           <pc:docMk/>
           <pc:sldMk cId="531684205" sldId="614"/>
         </pc:sldMkLst>
-        <pc:spChg chg="del">
-          <ac:chgData name="Øyvind Wiig Petersen" userId="8db00c4c-acc5-4dea-8516-ccf730572e42" providerId="ADAL" clId="{05A6CDD1-6EC8-4613-8985-22F5A7D673CE}" dt="2023-12-08T13:43:22.088" v="26" actId="21"/>
-          <ac:spMkLst>
-            <pc:docMk/>
-            <pc:sldMk cId="531684205" sldId="614"/>
-            <ac:spMk id="9" creationId="{B1BB1BF2-F358-43A6-B4E7-119C44C27A20}"/>
-          </ac:spMkLst>
-        </pc:spChg>
-        <pc:spChg chg="add del mod">
-          <ac:chgData name="Øyvind Wiig Petersen" userId="8db00c4c-acc5-4dea-8516-ccf730572e42" providerId="ADAL" clId="{05A6CDD1-6EC8-4613-8985-22F5A7D673CE}" dt="2023-12-13T11:40:00.466" v="281" actId="478"/>
-          <ac:spMkLst>
-            <pc:docMk/>
-            <pc:sldMk cId="531684205" sldId="614"/>
-            <ac:spMk id="11" creationId="{5AD5B281-4A98-5ACC-5139-DE1F4F6E4F4F}"/>
-          </ac:spMkLst>
-        </pc:spChg>
-        <pc:spChg chg="mod">
-          <ac:chgData name="Øyvind Wiig Petersen" userId="8db00c4c-acc5-4dea-8516-ccf730572e42" providerId="ADAL" clId="{05A6CDD1-6EC8-4613-8985-22F5A7D673CE}" dt="2023-12-13T11:39:51.302" v="277" actId="14100"/>
-          <ac:spMkLst>
-            <pc:docMk/>
-            <pc:sldMk cId="531684205" sldId="614"/>
-            <ac:spMk id="12" creationId="{06E01A4A-F8F3-47BC-8EEC-66504D07BC57}"/>
-          </ac:spMkLst>
-        </pc:spChg>
-        <pc:graphicFrameChg chg="mod">
-          <ac:chgData name="Øyvind Wiig Petersen" userId="8db00c4c-acc5-4dea-8516-ccf730572e42" providerId="ADAL" clId="{05A6CDD1-6EC8-4613-8985-22F5A7D673CE}" dt="2023-12-08T13:52:30.270" v="125"/>
-          <ac:graphicFrameMkLst>
-            <pc:docMk/>
-            <pc:sldMk cId="531684205" sldId="614"/>
-            <ac:graphicFrameMk id="3" creationId="{AA55359B-B755-4696-A2A2-CC81B99C5ECF}"/>
-          </ac:graphicFrameMkLst>
-        </pc:graphicFrameChg>
-        <pc:graphicFrameChg chg="mod">
-          <ac:chgData name="Øyvind Wiig Petersen" userId="8db00c4c-acc5-4dea-8516-ccf730572e42" providerId="ADAL" clId="{05A6CDD1-6EC8-4613-8985-22F5A7D673CE}" dt="2023-12-08T13:52:41.754" v="126"/>
-          <ac:graphicFrameMkLst>
-            <pc:docMk/>
-            <pc:sldMk cId="531684205" sldId="614"/>
-            <ac:graphicFrameMk id="6" creationId="{9A8EC5BB-399C-472F-9630-097A25F4DD8F}"/>
-          </ac:graphicFrameMkLst>
-        </pc:graphicFrameChg>
-        <pc:graphicFrameChg chg="del mod">
-          <ac:chgData name="Øyvind Wiig Petersen" userId="8db00c4c-acc5-4dea-8516-ccf730572e42" providerId="ADAL" clId="{05A6CDD1-6EC8-4613-8985-22F5A7D673CE}" dt="2023-12-08T13:43:32.582" v="33" actId="21"/>
-          <ac:graphicFrameMkLst>
-            <pc:docMk/>
-            <pc:sldMk cId="531684205" sldId="614"/>
-            <ac:graphicFrameMk id="7" creationId="{037A4B10-36F6-4187-B246-EF11C638F11D}"/>
-          </ac:graphicFrameMkLst>
-        </pc:graphicFrameChg>
-        <pc:graphicFrameChg chg="add del mod">
-          <ac:chgData name="Øyvind Wiig Petersen" userId="8db00c4c-acc5-4dea-8516-ccf730572e42" providerId="ADAL" clId="{05A6CDD1-6EC8-4613-8985-22F5A7D673CE}" dt="2023-12-13T11:39:58.435" v="279" actId="478"/>
-          <ac:graphicFrameMkLst>
-            <pc:docMk/>
-            <pc:sldMk cId="531684205" sldId="614"/>
-            <ac:graphicFrameMk id="10" creationId="{C6EB784E-6040-8DB8-E5E8-CD3C6D9D3095}"/>
-          </ac:graphicFrameMkLst>
-        </pc:graphicFrameChg>
-        <pc:graphicFrameChg chg="add del mod">
-          <ac:chgData name="Øyvind Wiig Petersen" userId="8db00c4c-acc5-4dea-8516-ccf730572e42" providerId="ADAL" clId="{05A6CDD1-6EC8-4613-8985-22F5A7D673CE}" dt="2023-12-13T11:39:54.664" v="278" actId="478"/>
-          <ac:graphicFrameMkLst>
-            <pc:docMk/>
-            <pc:sldMk cId="531684205" sldId="614"/>
-            <ac:graphicFrameMk id="13" creationId="{9A5B1403-71BA-2409-1C7D-29EA032508C9}"/>
-          </ac:graphicFrameMkLst>
-        </pc:graphicFrameChg>
       </pc:sldChg>
       <pc:sldChg chg="delSp modSp add del mod">
         <pc:chgData name="Øyvind Wiig Petersen" userId="8db00c4c-acc5-4dea-8516-ccf730572e42" providerId="ADAL" clId="{05A6CDD1-6EC8-4613-8985-22F5A7D673CE}" dt="2023-12-08T13:38:54.475" v="15" actId="2696"/>
@@ -390,22 +254,6 @@
           <pc:docMk/>
           <pc:sldMk cId="445848651" sldId="620"/>
         </pc:sldMkLst>
-        <pc:spChg chg="del">
-          <ac:chgData name="Øyvind Wiig Petersen" userId="8db00c4c-acc5-4dea-8516-ccf730572e42" providerId="ADAL" clId="{05A6CDD1-6EC8-4613-8985-22F5A7D673CE}" dt="2023-12-08T13:28:28.900" v="1" actId="478"/>
-          <ac:spMkLst>
-            <pc:docMk/>
-            <pc:sldMk cId="445848651" sldId="620"/>
-            <ac:spMk id="10" creationId="{9CE074DE-0ABC-4D0B-8EB1-6992A772E8E6}"/>
-          </ac:spMkLst>
-        </pc:spChg>
-        <pc:graphicFrameChg chg="mod">
-          <ac:chgData name="Øyvind Wiig Petersen" userId="8db00c4c-acc5-4dea-8516-ccf730572e42" providerId="ADAL" clId="{05A6CDD1-6EC8-4613-8985-22F5A7D673CE}" dt="2023-12-08T13:38:48.422" v="14" actId="1076"/>
-          <ac:graphicFrameMkLst>
-            <pc:docMk/>
-            <pc:sldMk cId="445848651" sldId="620"/>
-            <ac:graphicFrameMk id="23" creationId="{156672F3-3DB5-4752-9657-FDADE644C3FE}"/>
-          </ac:graphicFrameMkLst>
-        </pc:graphicFrameChg>
       </pc:sldChg>
       <pc:sldChg chg="addSp delSp modSp new mod ord modShow">
         <pc:chgData name="Øyvind Wiig Petersen" userId="8db00c4c-acc5-4dea-8516-ccf730572e42" providerId="ADAL" clId="{05A6CDD1-6EC8-4613-8985-22F5A7D673CE}" dt="2023-12-13T11:34:16.064" v="264"/>
@@ -413,30 +261,6 @@
           <pc:docMk/>
           <pc:sldMk cId="2126357600" sldId="620"/>
         </pc:sldMkLst>
-        <pc:spChg chg="add del mod">
-          <ac:chgData name="Øyvind Wiig Petersen" userId="8db00c4c-acc5-4dea-8516-ccf730572e42" providerId="ADAL" clId="{05A6CDD1-6EC8-4613-8985-22F5A7D673CE}" dt="2023-12-13T11:34:13.536" v="262" actId="403"/>
-          <ac:spMkLst>
-            <pc:docMk/>
-            <pc:sldMk cId="2126357600" sldId="620"/>
-            <ac:spMk id="2" creationId="{EDF7C7D3-8BA2-4F5B-4CAB-436D1B9DCF7E}"/>
-          </ac:spMkLst>
-        </pc:spChg>
-        <pc:spChg chg="add del mod">
-          <ac:chgData name="Øyvind Wiig Petersen" userId="8db00c4c-acc5-4dea-8516-ccf730572e42" providerId="ADAL" clId="{05A6CDD1-6EC8-4613-8985-22F5A7D673CE}" dt="2023-12-08T13:43:31.027" v="32" actId="478"/>
-          <ac:spMkLst>
-            <pc:docMk/>
-            <pc:sldMk cId="2126357600" sldId="620"/>
-            <ac:spMk id="4" creationId="{97C22EF5-2A6D-9E36-71F8-FEDAC4BDA9FB}"/>
-          </ac:spMkLst>
-        </pc:spChg>
-        <pc:graphicFrameChg chg="add mod">
-          <ac:chgData name="Øyvind Wiig Petersen" userId="8db00c4c-acc5-4dea-8516-ccf730572e42" providerId="ADAL" clId="{05A6CDD1-6EC8-4613-8985-22F5A7D673CE}" dt="2023-12-10T09:20:08.672" v="251"/>
-          <ac:graphicFrameMkLst>
-            <pc:docMk/>
-            <pc:sldMk cId="2126357600" sldId="620"/>
-            <ac:graphicFrameMk id="5" creationId="{A44449B5-B006-5A23-FADC-F4CDF9D37B71}"/>
-          </ac:graphicFrameMkLst>
-        </pc:graphicFrameChg>
       </pc:sldChg>
       <pc:sldChg chg="addSp delSp modSp add mod">
         <pc:chgData name="Øyvind Wiig Petersen" userId="8db00c4c-acc5-4dea-8516-ccf730572e42" providerId="ADAL" clId="{05A6CDD1-6EC8-4613-8985-22F5A7D673CE}" dt="2023-12-13T11:41:07.357" v="287"/>
@@ -444,38 +268,6 @@
           <pc:docMk/>
           <pc:sldMk cId="3402309244" sldId="621"/>
         </pc:sldMkLst>
-        <pc:spChg chg="del mod">
-          <ac:chgData name="Øyvind Wiig Petersen" userId="8db00c4c-acc5-4dea-8516-ccf730572e42" providerId="ADAL" clId="{05A6CDD1-6EC8-4613-8985-22F5A7D673CE}" dt="2023-12-13T11:34:25.017" v="265" actId="478"/>
-          <ac:spMkLst>
-            <pc:docMk/>
-            <pc:sldMk cId="3402309244" sldId="621"/>
-            <ac:spMk id="2" creationId="{EDF7C7D3-8BA2-4F5B-4CAB-436D1B9DCF7E}"/>
-          </ac:spMkLst>
-        </pc:spChg>
-        <pc:graphicFrameChg chg="add mod">
-          <ac:chgData name="Øyvind Wiig Petersen" userId="8db00c4c-acc5-4dea-8516-ccf730572e42" providerId="ADAL" clId="{05A6CDD1-6EC8-4613-8985-22F5A7D673CE}" dt="2023-12-13T11:41:07.357" v="287"/>
-          <ac:graphicFrameMkLst>
-            <pc:docMk/>
-            <pc:sldMk cId="3402309244" sldId="621"/>
-            <ac:graphicFrameMk id="4" creationId="{CB4375AA-82C1-BD10-F8FE-D861E5AF0A1F}"/>
-          </ac:graphicFrameMkLst>
-        </pc:graphicFrameChg>
-        <pc:graphicFrameChg chg="mod">
-          <ac:chgData name="Øyvind Wiig Petersen" userId="8db00c4c-acc5-4dea-8516-ccf730572e42" providerId="ADAL" clId="{05A6CDD1-6EC8-4613-8985-22F5A7D673CE}" dt="2023-12-13T11:34:59.299" v="267" actId="1076"/>
-          <ac:graphicFrameMkLst>
-            <pc:docMk/>
-            <pc:sldMk cId="3402309244" sldId="621"/>
-            <ac:graphicFrameMk id="5" creationId="{A44449B5-B006-5A23-FADC-F4CDF9D37B71}"/>
-          </ac:graphicFrameMkLst>
-        </pc:graphicFrameChg>
-        <pc:graphicFrameChg chg="add mod">
-          <ac:chgData name="Øyvind Wiig Petersen" userId="8db00c4c-acc5-4dea-8516-ccf730572e42" providerId="ADAL" clId="{05A6CDD1-6EC8-4613-8985-22F5A7D673CE}" dt="2023-12-13T11:41:06.465" v="286" actId="1076"/>
-          <ac:graphicFrameMkLst>
-            <pc:docMk/>
-            <pc:sldMk cId="3402309244" sldId="621"/>
-            <ac:graphicFrameMk id="6" creationId="{A94AD0DE-623F-0255-6A80-DDC210D4DFED}"/>
-          </ac:graphicFrameMkLst>
-        </pc:graphicFrameChg>
       </pc:sldChg>
     </pc:docChg>
   </pc:docChgLst>
@@ -520,14 +312,6 @@
           <pc:docMk/>
           <pc:sldMk cId="725769110" sldId="575"/>
         </pc:sldMkLst>
-        <pc:spChg chg="mod">
-          <ac:chgData name="Øyvind Wiig Petersen" userId="8db00c4c-acc5-4dea-8516-ccf730572e42" providerId="ADAL" clId="{67F3F98E-F555-4318-81D3-4D39E3DCAB1E}" dt="2022-05-18T08:39:54.134" v="1" actId="21"/>
-          <ac:spMkLst>
-            <pc:docMk/>
-            <pc:sldMk cId="725769110" sldId="575"/>
-            <ac:spMk id="2" creationId="{00000000-0000-0000-0000-000000000000}"/>
-          </ac:spMkLst>
-        </pc:spChg>
       </pc:sldChg>
       <pc:sldChg chg="modSp">
         <pc:chgData name="Øyvind Wiig Petersen" userId="8db00c4c-acc5-4dea-8516-ccf730572e42" providerId="ADAL" clId="{67F3F98E-F555-4318-81D3-4D39E3DCAB1E}" dt="2022-05-18T09:01:57.942" v="17"/>
@@ -535,14 +319,6 @@
           <pc:docMk/>
           <pc:sldMk cId="531684205" sldId="614"/>
         </pc:sldMkLst>
-        <pc:graphicFrameChg chg="mod">
-          <ac:chgData name="Øyvind Wiig Petersen" userId="8db00c4c-acc5-4dea-8516-ccf730572e42" providerId="ADAL" clId="{67F3F98E-F555-4318-81D3-4D39E3DCAB1E}" dt="2022-05-18T09:01:57.942" v="17"/>
-          <ac:graphicFrameMkLst>
-            <pc:docMk/>
-            <pc:sldMk cId="531684205" sldId="614"/>
-            <ac:graphicFrameMk id="7" creationId="{037A4B10-36F6-4187-B246-EF11C638F11D}"/>
-          </ac:graphicFrameMkLst>
-        </pc:graphicFrameChg>
       </pc:sldChg>
       <pc:sldChg chg="del">
         <pc:chgData name="Øyvind Wiig Petersen" userId="8db00c4c-acc5-4dea-8516-ccf730572e42" providerId="ADAL" clId="{67F3F98E-F555-4318-81D3-4D39E3DCAB1E}" dt="2022-05-18T08:39:50.037" v="0" actId="2696"/>
@@ -550,6 +326,45 @@
           <pc:docMk/>
           <pc:sldMk cId="951995722" sldId="617"/>
         </pc:sldMkLst>
+      </pc:sldChg>
+    </pc:docChg>
+  </pc:docChgLst>
+  <pc:docChgLst>
+    <pc:chgData name="Øyvind Wiig Petersen" userId="8db00c4c-acc5-4dea-8516-ccf730572e42" providerId="ADAL" clId="{B31D74AE-508C-4561-9C95-DF7ACC77AB13}"/>
+    <pc:docChg chg="modSld">
+      <pc:chgData name="Øyvind Wiig Petersen" userId="8db00c4c-acc5-4dea-8516-ccf730572e42" providerId="ADAL" clId="{B31D74AE-508C-4561-9C95-DF7ACC77AB13}" dt="2025-04-21T07:57:31.461" v="6"/>
+      <pc:docMkLst>
+        <pc:docMk/>
+      </pc:docMkLst>
+      <pc:sldChg chg="modSp mod">
+        <pc:chgData name="Øyvind Wiig Petersen" userId="8db00c4c-acc5-4dea-8516-ccf730572e42" providerId="ADAL" clId="{B31D74AE-508C-4561-9C95-DF7ACC77AB13}" dt="2025-04-19T07:50:22.379" v="2" actId="20577"/>
+        <pc:sldMkLst>
+          <pc:docMk/>
+          <pc:sldMk cId="725769110" sldId="575"/>
+        </pc:sldMkLst>
+        <pc:spChg chg="mod">
+          <ac:chgData name="Øyvind Wiig Petersen" userId="8db00c4c-acc5-4dea-8516-ccf730572e42" providerId="ADAL" clId="{B31D74AE-508C-4561-9C95-DF7ACC77AB13}" dt="2025-04-19T07:50:22.379" v="2" actId="20577"/>
+          <ac:spMkLst>
+            <pc:docMk/>
+            <pc:sldMk cId="725769110" sldId="575"/>
+            <ac:spMk id="23" creationId="{523D22CD-5FF1-4738-9E13-2BF1FD18CE31}"/>
+          </ac:spMkLst>
+        </pc:spChg>
+      </pc:sldChg>
+      <pc:sldChg chg="modSp">
+        <pc:chgData name="Øyvind Wiig Petersen" userId="8db00c4c-acc5-4dea-8516-ccf730572e42" providerId="ADAL" clId="{B31D74AE-508C-4561-9C95-DF7ACC77AB13}" dt="2025-04-21T07:57:31.461" v="6"/>
+        <pc:sldMkLst>
+          <pc:docMk/>
+          <pc:sldMk cId="3402309244" sldId="621"/>
+        </pc:sldMkLst>
+        <pc:graphicFrameChg chg="mod">
+          <ac:chgData name="Øyvind Wiig Petersen" userId="8db00c4c-acc5-4dea-8516-ccf730572e42" providerId="ADAL" clId="{B31D74AE-508C-4561-9C95-DF7ACC77AB13}" dt="2025-04-21T07:57:31.461" v="6"/>
+          <ac:graphicFrameMkLst>
+            <pc:docMk/>
+            <pc:sldMk cId="3402309244" sldId="621"/>
+            <ac:graphicFrameMk id="6" creationId="{A94AD0DE-623F-0255-6A80-DDC210D4DFED}"/>
+          </ac:graphicFrameMkLst>
+        </pc:graphicFrameChg>
       </pc:sldChg>
     </pc:docChg>
   </pc:docChgLst>
@@ -566,30 +381,6 @@
           <pc:docMk/>
           <pc:sldMk cId="2297208258" sldId="571"/>
         </pc:sldMkLst>
-        <pc:spChg chg="mod">
-          <ac:chgData name="Øyvind Wiig Petersen" userId="8db00c4c-acc5-4dea-8516-ccf730572e42" providerId="ADAL" clId="{6A114068-6040-4243-8037-4A82180F7CAD}" dt="2024-03-24T09:57:13.360" v="32" actId="5793"/>
-          <ac:spMkLst>
-            <pc:docMk/>
-            <pc:sldMk cId="2297208258" sldId="571"/>
-            <ac:spMk id="5" creationId="{43E741B6-393D-4033-89CC-D7BE537464FE}"/>
-          </ac:spMkLst>
-        </pc:spChg>
-        <pc:spChg chg="mod">
-          <ac:chgData name="Øyvind Wiig Petersen" userId="8db00c4c-acc5-4dea-8516-ccf730572e42" providerId="ADAL" clId="{6A114068-6040-4243-8037-4A82180F7CAD}" dt="2024-03-24T09:57:15.964" v="33" actId="5793"/>
-          <ac:spMkLst>
-            <pc:docMk/>
-            <pc:sldMk cId="2297208258" sldId="571"/>
-            <ac:spMk id="14" creationId="{0112A278-EF3B-40DB-8A7E-D8CE229C9AE5}"/>
-          </ac:spMkLst>
-        </pc:spChg>
-        <pc:spChg chg="mod">
-          <ac:chgData name="Øyvind Wiig Petersen" userId="8db00c4c-acc5-4dea-8516-ccf730572e42" providerId="ADAL" clId="{6A114068-6040-4243-8037-4A82180F7CAD}" dt="2024-03-24T09:57:18.906" v="34" actId="5793"/>
-          <ac:spMkLst>
-            <pc:docMk/>
-            <pc:sldMk cId="2297208258" sldId="571"/>
-            <ac:spMk id="16" creationId="{BB984C97-773B-4DA6-874B-E04994D9BC2F}"/>
-          </ac:spMkLst>
-        </pc:spChg>
       </pc:sldChg>
       <pc:sldChg chg="modSp mod">
         <pc:chgData name="Øyvind Wiig Petersen" userId="8db00c4c-acc5-4dea-8516-ccf730572e42" providerId="ADAL" clId="{6A114068-6040-4243-8037-4A82180F7CAD}" dt="2024-03-24T09:57:40.717" v="41" actId="5793"/>
@@ -597,38 +388,6 @@
           <pc:docMk/>
           <pc:sldMk cId="3155278157" sldId="574"/>
         </pc:sldMkLst>
-        <pc:spChg chg="mod">
-          <ac:chgData name="Øyvind Wiig Petersen" userId="8db00c4c-acc5-4dea-8516-ccf730572e42" providerId="ADAL" clId="{6A114068-6040-4243-8037-4A82180F7CAD}" dt="2024-03-24T09:57:40.717" v="41" actId="5793"/>
-          <ac:spMkLst>
-            <pc:docMk/>
-            <pc:sldMk cId="3155278157" sldId="574"/>
-            <ac:spMk id="16" creationId="{D62F65BD-7727-4136-90A8-BB9439706EE5}"/>
-          </ac:spMkLst>
-        </pc:spChg>
-        <pc:spChg chg="mod">
-          <ac:chgData name="Øyvind Wiig Petersen" userId="8db00c4c-acc5-4dea-8516-ccf730572e42" providerId="ADAL" clId="{6A114068-6040-4243-8037-4A82180F7CAD}" dt="2024-03-24T09:57:33.200" v="38" actId="5793"/>
-          <ac:spMkLst>
-            <pc:docMk/>
-            <pc:sldMk cId="3155278157" sldId="574"/>
-            <ac:spMk id="22" creationId="{C2D9C173-F661-4567-8669-3361C482DFEE}"/>
-          </ac:spMkLst>
-        </pc:spChg>
-        <pc:spChg chg="mod">
-          <ac:chgData name="Øyvind Wiig Petersen" userId="8db00c4c-acc5-4dea-8516-ccf730572e42" providerId="ADAL" clId="{6A114068-6040-4243-8037-4A82180F7CAD}" dt="2024-03-24T09:57:35.435" v="39" actId="5793"/>
-          <ac:spMkLst>
-            <pc:docMk/>
-            <pc:sldMk cId="3155278157" sldId="574"/>
-            <ac:spMk id="29" creationId="{39529A82-AA7A-4AC4-986B-F6146CD379A4}"/>
-          </ac:spMkLst>
-        </pc:spChg>
-        <pc:spChg chg="mod">
-          <ac:chgData name="Øyvind Wiig Petersen" userId="8db00c4c-acc5-4dea-8516-ccf730572e42" providerId="ADAL" clId="{6A114068-6040-4243-8037-4A82180F7CAD}" dt="2024-03-24T09:57:38.014" v="40" actId="5793"/>
-          <ac:spMkLst>
-            <pc:docMk/>
-            <pc:sldMk cId="3155278157" sldId="574"/>
-            <ac:spMk id="30" creationId="{6E0D8555-F87E-4E24-8BA1-32CB98C53646}"/>
-          </ac:spMkLst>
-        </pc:spChg>
       </pc:sldChg>
       <pc:sldChg chg="modSp mod">
         <pc:chgData name="Øyvind Wiig Petersen" userId="8db00c4c-acc5-4dea-8516-ccf730572e42" providerId="ADAL" clId="{6A114068-6040-4243-8037-4A82180F7CAD}" dt="2024-03-24T09:58:44.406" v="64" actId="1036"/>
@@ -636,62 +395,6 @@
           <pc:docMk/>
           <pc:sldMk cId="1487145819" sldId="577"/>
         </pc:sldMkLst>
-        <pc:spChg chg="mod">
-          <ac:chgData name="Øyvind Wiig Petersen" userId="8db00c4c-acc5-4dea-8516-ccf730572e42" providerId="ADAL" clId="{6A114068-6040-4243-8037-4A82180F7CAD}" dt="2024-03-24T09:58:37.213" v="55" actId="12"/>
-          <ac:spMkLst>
-            <pc:docMk/>
-            <pc:sldMk cId="1487145819" sldId="577"/>
-            <ac:spMk id="23" creationId="{DF63CA27-0111-47E0-B41E-191D9F3008CA}"/>
-          </ac:spMkLst>
-        </pc:spChg>
-        <pc:grpChg chg="mod">
-          <ac:chgData name="Øyvind Wiig Petersen" userId="8db00c4c-acc5-4dea-8516-ccf730572e42" providerId="ADAL" clId="{6A114068-6040-4243-8037-4A82180F7CAD}" dt="2024-03-24T09:58:44.406" v="64" actId="1036"/>
-          <ac:grpSpMkLst>
-            <pc:docMk/>
-            <pc:sldMk cId="1487145819" sldId="577"/>
-            <ac:grpSpMk id="3" creationId="{BEDE871E-4C9D-44B4-BA2D-04B51208B6CF}"/>
-          </ac:grpSpMkLst>
-        </pc:grpChg>
-        <pc:grpChg chg="mod">
-          <ac:chgData name="Øyvind Wiig Petersen" userId="8db00c4c-acc5-4dea-8516-ccf730572e42" providerId="ADAL" clId="{6A114068-6040-4243-8037-4A82180F7CAD}" dt="2024-03-24T09:58:44.406" v="64" actId="1036"/>
-          <ac:grpSpMkLst>
-            <pc:docMk/>
-            <pc:sldMk cId="1487145819" sldId="577"/>
-            <ac:grpSpMk id="29" creationId="{18C4354B-D0F4-495B-BD21-95420A0108EF}"/>
-          </ac:grpSpMkLst>
-        </pc:grpChg>
-        <pc:graphicFrameChg chg="mod">
-          <ac:chgData name="Øyvind Wiig Petersen" userId="8db00c4c-acc5-4dea-8516-ccf730572e42" providerId="ADAL" clId="{6A114068-6040-4243-8037-4A82180F7CAD}" dt="2024-03-24T09:58:44.406" v="64" actId="1036"/>
-          <ac:graphicFrameMkLst>
-            <pc:docMk/>
-            <pc:sldMk cId="1487145819" sldId="577"/>
-            <ac:graphicFrameMk id="17" creationId="{750F8FFE-1531-4B5A-86F4-0C9B1BEE37BA}"/>
-          </ac:graphicFrameMkLst>
-        </pc:graphicFrameChg>
-        <pc:graphicFrameChg chg="mod">
-          <ac:chgData name="Øyvind Wiig Petersen" userId="8db00c4c-acc5-4dea-8516-ccf730572e42" providerId="ADAL" clId="{6A114068-6040-4243-8037-4A82180F7CAD}" dt="2024-03-24T09:58:44.406" v="64" actId="1036"/>
-          <ac:graphicFrameMkLst>
-            <pc:docMk/>
-            <pc:sldMk cId="1487145819" sldId="577"/>
-            <ac:graphicFrameMk id="18" creationId="{8FA5CA2D-0D3A-432C-A66F-35898AEB91B5}"/>
-          </ac:graphicFrameMkLst>
-        </pc:graphicFrameChg>
-        <pc:picChg chg="mod">
-          <ac:chgData name="Øyvind Wiig Petersen" userId="8db00c4c-acc5-4dea-8516-ccf730572e42" providerId="ADAL" clId="{6A114068-6040-4243-8037-4A82180F7CAD}" dt="2024-03-24T09:58:44.406" v="64" actId="1036"/>
-          <ac:picMkLst>
-            <pc:docMk/>
-            <pc:sldMk cId="1487145819" sldId="577"/>
-            <ac:picMk id="15" creationId="{821B7D18-44B7-40FE-B449-25C9BAE660C3}"/>
-          </ac:picMkLst>
-        </pc:picChg>
-        <pc:picChg chg="mod">
-          <ac:chgData name="Øyvind Wiig Petersen" userId="8db00c4c-acc5-4dea-8516-ccf730572e42" providerId="ADAL" clId="{6A114068-6040-4243-8037-4A82180F7CAD}" dt="2024-03-24T09:58:44.406" v="64" actId="1036"/>
-          <ac:picMkLst>
-            <pc:docMk/>
-            <pc:sldMk cId="1487145819" sldId="577"/>
-            <ac:picMk id="16" creationId="{9E537D55-5FAF-4416-9F49-E4DE6CEDBDFB}"/>
-          </ac:picMkLst>
-        </pc:picChg>
       </pc:sldChg>
       <pc:sldChg chg="delSp modSp mod">
         <pc:chgData name="Øyvind Wiig Petersen" userId="8db00c4c-acc5-4dea-8516-ccf730572e42" providerId="ADAL" clId="{6A114068-6040-4243-8037-4A82180F7CAD}" dt="2024-03-24T09:58:04.830" v="45" actId="478"/>
@@ -699,38 +402,6 @@
           <pc:docMk/>
           <pc:sldMk cId="2392343102" sldId="579"/>
         </pc:sldMkLst>
-        <pc:spChg chg="mod">
-          <ac:chgData name="Øyvind Wiig Petersen" userId="8db00c4c-acc5-4dea-8516-ccf730572e42" providerId="ADAL" clId="{6A114068-6040-4243-8037-4A82180F7CAD}" dt="2024-03-24T09:57:51.578" v="43" actId="5793"/>
-          <ac:spMkLst>
-            <pc:docMk/>
-            <pc:sldMk cId="2392343102" sldId="579"/>
-            <ac:spMk id="20" creationId="{3D634757-659D-4179-8A9D-30541A11E336}"/>
-          </ac:spMkLst>
-        </pc:spChg>
-        <pc:spChg chg="del mod">
-          <ac:chgData name="Øyvind Wiig Petersen" userId="8db00c4c-acc5-4dea-8516-ccf730572e42" providerId="ADAL" clId="{6A114068-6040-4243-8037-4A82180F7CAD}" dt="2024-03-24T09:58:04.830" v="45" actId="478"/>
-          <ac:spMkLst>
-            <pc:docMk/>
-            <pc:sldMk cId="2392343102" sldId="579"/>
-            <ac:spMk id="21" creationId="{DEDF67FB-A9D4-433B-9F66-52888AEBA276}"/>
-          </ac:spMkLst>
-        </pc:spChg>
-        <pc:spChg chg="mod">
-          <ac:chgData name="Øyvind Wiig Petersen" userId="8db00c4c-acc5-4dea-8516-ccf730572e42" providerId="ADAL" clId="{6A114068-6040-4243-8037-4A82180F7CAD}" dt="2024-03-24T09:57:47.486" v="42" actId="5793"/>
-          <ac:spMkLst>
-            <pc:docMk/>
-            <pc:sldMk cId="2392343102" sldId="579"/>
-            <ac:spMk id="22" creationId="{C2D9C173-F661-4567-8669-3361C482DFEE}"/>
-          </ac:spMkLst>
-        </pc:spChg>
-        <pc:picChg chg="del">
-          <ac:chgData name="Øyvind Wiig Petersen" userId="8db00c4c-acc5-4dea-8516-ccf730572e42" providerId="ADAL" clId="{6A114068-6040-4243-8037-4A82180F7CAD}" dt="2024-03-24T09:58:04.830" v="45" actId="478"/>
-          <ac:picMkLst>
-            <pc:docMk/>
-            <pc:sldMk cId="2392343102" sldId="579"/>
-            <ac:picMk id="4" creationId="{7F7E716D-8C25-4768-816F-446DEA74EAA7}"/>
-          </ac:picMkLst>
-        </pc:picChg>
       </pc:sldChg>
       <pc:sldChg chg="modSp mod">
         <pc:chgData name="Øyvind Wiig Petersen" userId="8db00c4c-acc5-4dea-8516-ccf730572e42" providerId="ADAL" clId="{6A114068-6040-4243-8037-4A82180F7CAD}" dt="2024-04-02T12:58:00.849" v="267" actId="21"/>
@@ -738,30 +409,6 @@
           <pc:docMk/>
           <pc:sldMk cId="2641580211" sldId="612"/>
         </pc:sldMkLst>
-        <pc:spChg chg="mod">
-          <ac:chgData name="Øyvind Wiig Petersen" userId="8db00c4c-acc5-4dea-8516-ccf730572e42" providerId="ADAL" clId="{6A114068-6040-4243-8037-4A82180F7CAD}" dt="2024-04-02T12:57:50.385" v="260" actId="20577"/>
-          <ac:spMkLst>
-            <pc:docMk/>
-            <pc:sldMk cId="2641580211" sldId="612"/>
-            <ac:spMk id="8" creationId="{A6A97F79-21C8-437E-8675-25D10A075694}"/>
-          </ac:spMkLst>
-        </pc:spChg>
-        <pc:spChg chg="mod">
-          <ac:chgData name="Øyvind Wiig Petersen" userId="8db00c4c-acc5-4dea-8516-ccf730572e42" providerId="ADAL" clId="{6A114068-6040-4243-8037-4A82180F7CAD}" dt="2024-04-02T12:58:00.849" v="267" actId="21"/>
-          <ac:spMkLst>
-            <pc:docMk/>
-            <pc:sldMk cId="2641580211" sldId="612"/>
-            <ac:spMk id="15" creationId="{F14F9A16-6BD8-46D6-A85E-FEC353CB682C}"/>
-          </ac:spMkLst>
-        </pc:spChg>
-        <pc:spChg chg="mod">
-          <ac:chgData name="Øyvind Wiig Petersen" userId="8db00c4c-acc5-4dea-8516-ccf730572e42" providerId="ADAL" clId="{6A114068-6040-4243-8037-4A82180F7CAD}" dt="2024-03-24T09:57:24.379" v="35" actId="5793"/>
-          <ac:spMkLst>
-            <pc:docMk/>
-            <pc:sldMk cId="2641580211" sldId="612"/>
-            <ac:spMk id="20" creationId="{1C338D5B-A4D9-4B4C-B1EE-6277200F478B}"/>
-          </ac:spMkLst>
-        </pc:spChg>
       </pc:sldChg>
       <pc:sldChg chg="modSp mod">
         <pc:chgData name="Øyvind Wiig Petersen" userId="8db00c4c-acc5-4dea-8516-ccf730572e42" providerId="ADAL" clId="{6A114068-6040-4243-8037-4A82180F7CAD}" dt="2024-03-24T09:59:40.169" v="138" actId="1036"/>
@@ -769,46 +416,6 @@
           <pc:docMk/>
           <pc:sldMk cId="820026693" sldId="613"/>
         </pc:sldMkLst>
-        <pc:spChg chg="mod">
-          <ac:chgData name="Øyvind Wiig Petersen" userId="8db00c4c-acc5-4dea-8516-ccf730572e42" providerId="ADAL" clId="{6A114068-6040-4243-8037-4A82180F7CAD}" dt="2024-03-24T09:59:06.755" v="66" actId="5793"/>
-          <ac:spMkLst>
-            <pc:docMk/>
-            <pc:sldMk cId="820026693" sldId="613"/>
-            <ac:spMk id="10" creationId="{F4B9DA77-DBA4-4046-8551-E98C50B30247}"/>
-          </ac:spMkLst>
-        </pc:spChg>
-        <pc:spChg chg="mod">
-          <ac:chgData name="Øyvind Wiig Petersen" userId="8db00c4c-acc5-4dea-8516-ccf730572e42" providerId="ADAL" clId="{6A114068-6040-4243-8037-4A82180F7CAD}" dt="2024-03-24T09:59:02.148" v="65" actId="5793"/>
-          <ac:spMkLst>
-            <pc:docMk/>
-            <pc:sldMk cId="820026693" sldId="613"/>
-            <ac:spMk id="23" creationId="{DF63CA27-0111-47E0-B41E-191D9F3008CA}"/>
-          </ac:spMkLst>
-        </pc:spChg>
-        <pc:graphicFrameChg chg="mod">
-          <ac:chgData name="Øyvind Wiig Petersen" userId="8db00c4c-acc5-4dea-8516-ccf730572e42" providerId="ADAL" clId="{6A114068-6040-4243-8037-4A82180F7CAD}" dt="2024-03-24T09:59:40.169" v="138" actId="1036"/>
-          <ac:graphicFrameMkLst>
-            <pc:docMk/>
-            <pc:sldMk cId="820026693" sldId="613"/>
-            <ac:graphicFrameMk id="3" creationId="{806EAE8C-5BB2-4ADF-83C8-4073BBE02484}"/>
-          </ac:graphicFrameMkLst>
-        </pc:graphicFrameChg>
-        <pc:graphicFrameChg chg="mod">
-          <ac:chgData name="Øyvind Wiig Petersen" userId="8db00c4c-acc5-4dea-8516-ccf730572e42" providerId="ADAL" clId="{6A114068-6040-4243-8037-4A82180F7CAD}" dt="2024-03-24T09:59:34.893" v="128" actId="14100"/>
-          <ac:graphicFrameMkLst>
-            <pc:docMk/>
-            <pc:sldMk cId="820026693" sldId="613"/>
-            <ac:graphicFrameMk id="5" creationId="{985C60EC-919F-4BF3-BEA0-EA6577C84365}"/>
-          </ac:graphicFrameMkLst>
-        </pc:graphicFrameChg>
-        <pc:graphicFrameChg chg="mod">
-          <ac:chgData name="Øyvind Wiig Petersen" userId="8db00c4c-acc5-4dea-8516-ccf730572e42" providerId="ADAL" clId="{6A114068-6040-4243-8037-4A82180F7CAD}" dt="2024-03-24T09:59:40.169" v="138" actId="1036"/>
-          <ac:graphicFrameMkLst>
-            <pc:docMk/>
-            <pc:sldMk cId="820026693" sldId="613"/>
-            <ac:graphicFrameMk id="6" creationId="{CDED016F-DF3D-4454-9E30-A755ABF7CFC8}"/>
-          </ac:graphicFrameMkLst>
-        </pc:graphicFrameChg>
       </pc:sldChg>
       <pc:sldChg chg="modSp mod">
         <pc:chgData name="Øyvind Wiig Petersen" userId="8db00c4c-acc5-4dea-8516-ccf730572e42" providerId="ADAL" clId="{6A114068-6040-4243-8037-4A82180F7CAD}" dt="2024-04-02T13:00:41.661" v="268" actId="1076"/>
@@ -816,38 +423,6 @@
           <pc:docMk/>
           <pc:sldMk cId="531684205" sldId="614"/>
         </pc:sldMkLst>
-        <pc:spChg chg="mod">
-          <ac:chgData name="Øyvind Wiig Petersen" userId="8db00c4c-acc5-4dea-8516-ccf730572e42" providerId="ADAL" clId="{6A114068-6040-4243-8037-4A82180F7CAD}" dt="2024-03-24T10:01:43.349" v="203" actId="5793"/>
-          <ac:spMkLst>
-            <pc:docMk/>
-            <pc:sldMk cId="531684205" sldId="614"/>
-            <ac:spMk id="5" creationId="{DAFD9338-19DB-40AF-8569-2664CB1B37A9}"/>
-          </ac:spMkLst>
-        </pc:spChg>
-        <pc:spChg chg="mod">
-          <ac:chgData name="Øyvind Wiig Petersen" userId="8db00c4c-acc5-4dea-8516-ccf730572e42" providerId="ADAL" clId="{6A114068-6040-4243-8037-4A82180F7CAD}" dt="2024-03-24T10:01:45.761" v="204" actId="5793"/>
-          <ac:spMkLst>
-            <pc:docMk/>
-            <pc:sldMk cId="531684205" sldId="614"/>
-            <ac:spMk id="8" creationId="{36A7E46D-B20D-4BCA-BB75-C25AE67923A7}"/>
-          </ac:spMkLst>
-        </pc:spChg>
-        <pc:spChg chg="mod">
-          <ac:chgData name="Øyvind Wiig Petersen" userId="8db00c4c-acc5-4dea-8516-ccf730572e42" providerId="ADAL" clId="{6A114068-6040-4243-8037-4A82180F7CAD}" dt="2024-04-02T13:00:41.661" v="268" actId="1076"/>
-          <ac:spMkLst>
-            <pc:docMk/>
-            <pc:sldMk cId="531684205" sldId="614"/>
-            <ac:spMk id="12" creationId="{06E01A4A-F8F3-47BC-8EEC-66504D07BC57}"/>
-          </ac:spMkLst>
-        </pc:spChg>
-        <pc:spChg chg="mod">
-          <ac:chgData name="Øyvind Wiig Petersen" userId="8db00c4c-acc5-4dea-8516-ccf730572e42" providerId="ADAL" clId="{6A114068-6040-4243-8037-4A82180F7CAD}" dt="2024-03-24T10:01:40.467" v="202" actId="5793"/>
-          <ac:spMkLst>
-            <pc:docMk/>
-            <pc:sldMk cId="531684205" sldId="614"/>
-            <ac:spMk id="23" creationId="{DF63CA27-0111-47E0-B41E-191D9F3008CA}"/>
-          </ac:spMkLst>
-        </pc:spChg>
       </pc:sldChg>
       <pc:sldChg chg="modSp mod">
         <pc:chgData name="Øyvind Wiig Petersen" userId="8db00c4c-acc5-4dea-8516-ccf730572e42" providerId="ADAL" clId="{6A114068-6040-4243-8037-4A82180F7CAD}" dt="2024-03-24T10:01:16.208" v="201" actId="167"/>
@@ -855,30 +430,6 @@
           <pc:docMk/>
           <pc:sldMk cId="1861433934" sldId="615"/>
         </pc:sldMkLst>
-        <pc:spChg chg="mod">
-          <ac:chgData name="Øyvind Wiig Petersen" userId="8db00c4c-acc5-4dea-8516-ccf730572e42" providerId="ADAL" clId="{6A114068-6040-4243-8037-4A82180F7CAD}" dt="2024-03-24T10:01:00.814" v="198" actId="20577"/>
-          <ac:spMkLst>
-            <pc:docMk/>
-            <pc:sldMk cId="1861433934" sldId="615"/>
-            <ac:spMk id="5" creationId="{DD5CC789-6F91-4877-B073-2EA447E2F363}"/>
-          </ac:spMkLst>
-        </pc:spChg>
-        <pc:picChg chg="mod">
-          <ac:chgData name="Øyvind Wiig Petersen" userId="8db00c4c-acc5-4dea-8516-ccf730572e42" providerId="ADAL" clId="{6A114068-6040-4243-8037-4A82180F7CAD}" dt="2024-03-24T10:00:57.876" v="197" actId="1036"/>
-          <ac:picMkLst>
-            <pc:docMk/>
-            <pc:sldMk cId="1861433934" sldId="615"/>
-            <ac:picMk id="6" creationId="{23A4F655-01A4-4336-9080-40FDD7AD4507}"/>
-          </ac:picMkLst>
-        </pc:picChg>
-        <pc:picChg chg="mod ord">
-          <ac:chgData name="Øyvind Wiig Petersen" userId="8db00c4c-acc5-4dea-8516-ccf730572e42" providerId="ADAL" clId="{6A114068-6040-4243-8037-4A82180F7CAD}" dt="2024-03-24T10:01:16.208" v="201" actId="167"/>
-          <ac:picMkLst>
-            <pc:docMk/>
-            <pc:sldMk cId="1861433934" sldId="615"/>
-            <ac:picMk id="8" creationId="{D9C3CB9F-A999-4794-BE4C-8BBE572BB896}"/>
-          </ac:picMkLst>
-        </pc:picChg>
       </pc:sldChg>
       <pc:sldChg chg="modSp mod">
         <pc:chgData name="Øyvind Wiig Petersen" userId="8db00c4c-acc5-4dea-8516-ccf730572e42" providerId="ADAL" clId="{6A114068-6040-4243-8037-4A82180F7CAD}" dt="2024-03-24T10:00:16.926" v="181"/>
@@ -886,46 +437,6 @@
           <pc:docMk/>
           <pc:sldMk cId="869930188" sldId="616"/>
         </pc:sldMkLst>
-        <pc:spChg chg="mod">
-          <ac:chgData name="Øyvind Wiig Petersen" userId="8db00c4c-acc5-4dea-8516-ccf730572e42" providerId="ADAL" clId="{6A114068-6040-4243-8037-4A82180F7CAD}" dt="2024-03-24T10:00:00.795" v="180" actId="5793"/>
-          <ac:spMkLst>
-            <pc:docMk/>
-            <pc:sldMk cId="869930188" sldId="616"/>
-            <ac:spMk id="11" creationId="{9A80B7C4-0DCD-4AF3-9A61-F56F178933B7}"/>
-          </ac:spMkLst>
-        </pc:spChg>
-        <pc:spChg chg="mod">
-          <ac:chgData name="Øyvind Wiig Petersen" userId="8db00c4c-acc5-4dea-8516-ccf730572e42" providerId="ADAL" clId="{6A114068-6040-4243-8037-4A82180F7CAD}" dt="2024-03-24T09:59:58.026" v="179" actId="5793"/>
-          <ac:spMkLst>
-            <pc:docMk/>
-            <pc:sldMk cId="869930188" sldId="616"/>
-            <ac:spMk id="12" creationId="{124E94B8-1E8F-4BBD-B28F-A34A632FA3C9}"/>
-          </ac:spMkLst>
-        </pc:spChg>
-        <pc:graphicFrameChg chg="mod">
-          <ac:chgData name="Øyvind Wiig Petersen" userId="8db00c4c-acc5-4dea-8516-ccf730572e42" providerId="ADAL" clId="{6A114068-6040-4243-8037-4A82180F7CAD}" dt="2024-03-24T09:59:49.784" v="158" actId="14100"/>
-          <ac:graphicFrameMkLst>
-            <pc:docMk/>
-            <pc:sldMk cId="869930188" sldId="616"/>
-            <ac:graphicFrameMk id="5" creationId="{FA5DEB6B-E67E-45B3-984B-C80242972E97}"/>
-          </ac:graphicFrameMkLst>
-        </pc:graphicFrameChg>
-        <pc:graphicFrameChg chg="mod">
-          <ac:chgData name="Øyvind Wiig Petersen" userId="8db00c4c-acc5-4dea-8516-ccf730572e42" providerId="ADAL" clId="{6A114068-6040-4243-8037-4A82180F7CAD}" dt="2024-03-24T09:59:55.618" v="178" actId="14100"/>
-          <ac:graphicFrameMkLst>
-            <pc:docMk/>
-            <pc:sldMk cId="869930188" sldId="616"/>
-            <ac:graphicFrameMk id="7" creationId="{7367FC17-D168-42C5-8DA6-95EEA02C0D7B}"/>
-          </ac:graphicFrameMkLst>
-        </pc:graphicFrameChg>
-        <pc:graphicFrameChg chg="mod">
-          <ac:chgData name="Øyvind Wiig Petersen" userId="8db00c4c-acc5-4dea-8516-ccf730572e42" providerId="ADAL" clId="{6A114068-6040-4243-8037-4A82180F7CAD}" dt="2024-03-24T10:00:16.926" v="181"/>
-          <ac:graphicFrameMkLst>
-            <pc:docMk/>
-            <pc:sldMk cId="869930188" sldId="616"/>
-            <ac:graphicFrameMk id="8" creationId="{38E73B6A-532A-404A-951A-B12D82BDD233}"/>
-          </ac:graphicFrameMkLst>
-        </pc:graphicFrameChg>
       </pc:sldChg>
       <pc:sldChg chg="modSp add mod ord">
         <pc:chgData name="Øyvind Wiig Petersen" userId="8db00c4c-acc5-4dea-8516-ccf730572e42" providerId="ADAL" clId="{6A114068-6040-4243-8037-4A82180F7CAD}" dt="2024-03-24T09:56:49.902" v="30"/>
@@ -933,14 +444,6 @@
           <pc:docMk/>
           <pc:sldMk cId="1834186742" sldId="618"/>
         </pc:sldMkLst>
-        <pc:spChg chg="mod">
-          <ac:chgData name="Øyvind Wiig Petersen" userId="8db00c4c-acc5-4dea-8516-ccf730572e42" providerId="ADAL" clId="{6A114068-6040-4243-8037-4A82180F7CAD}" dt="2024-03-24T09:56:49.902" v="30"/>
-          <ac:spMkLst>
-            <pc:docMk/>
-            <pc:sldMk cId="1834186742" sldId="618"/>
-            <ac:spMk id="13" creationId="{348DDC63-D03F-4E4B-B5C0-63C3F1A3BC59}"/>
-          </ac:spMkLst>
-        </pc:spChg>
       </pc:sldChg>
       <pc:sldChg chg="del">
         <pc:chgData name="Øyvind Wiig Petersen" userId="8db00c4c-acc5-4dea-8516-ccf730572e42" providerId="ADAL" clId="{6A114068-6040-4243-8037-4A82180F7CAD}" dt="2024-03-24T09:56:53.343" v="31" actId="2696"/>
@@ -962,38 +465,6 @@
           <pc:docMk/>
           <pc:sldMk cId="3402309244" sldId="621"/>
         </pc:sldMkLst>
-        <pc:spChg chg="mod">
-          <ac:chgData name="Øyvind Wiig Petersen" userId="8db00c4c-acc5-4dea-8516-ccf730572e42" providerId="ADAL" clId="{6A114068-6040-4243-8037-4A82180F7CAD}" dt="2024-03-12T19:04:21.173" v="25" actId="20577"/>
-          <ac:spMkLst>
-            <pc:docMk/>
-            <pc:sldMk cId="3402309244" sldId="621"/>
-            <ac:spMk id="3" creationId="{7A9C77B7-9D9A-0EA0-04DB-2E7D1ACE1B46}"/>
-          </ac:spMkLst>
-        </pc:spChg>
-        <pc:graphicFrameChg chg="mod">
-          <ac:chgData name="Øyvind Wiig Petersen" userId="8db00c4c-acc5-4dea-8516-ccf730572e42" providerId="ADAL" clId="{6A114068-6040-4243-8037-4A82180F7CAD}" dt="2024-03-24T10:02:25.500" v="210" actId="1076"/>
-          <ac:graphicFrameMkLst>
-            <pc:docMk/>
-            <pc:sldMk cId="3402309244" sldId="621"/>
-            <ac:graphicFrameMk id="4" creationId="{CB4375AA-82C1-BD10-F8FE-D861E5AF0A1F}"/>
-          </ac:graphicFrameMkLst>
-        </pc:graphicFrameChg>
-        <pc:graphicFrameChg chg="mod">
-          <ac:chgData name="Øyvind Wiig Petersen" userId="8db00c4c-acc5-4dea-8516-ccf730572e42" providerId="ADAL" clId="{6A114068-6040-4243-8037-4A82180F7CAD}" dt="2024-04-02T13:01:06.030" v="269" actId="1076"/>
-          <ac:graphicFrameMkLst>
-            <pc:docMk/>
-            <pc:sldMk cId="3402309244" sldId="621"/>
-            <ac:graphicFrameMk id="5" creationId="{A44449B5-B006-5A23-FADC-F4CDF9D37B71}"/>
-          </ac:graphicFrameMkLst>
-        </pc:graphicFrameChg>
-        <pc:graphicFrameChg chg="mod">
-          <ac:chgData name="Øyvind Wiig Petersen" userId="8db00c4c-acc5-4dea-8516-ccf730572e42" providerId="ADAL" clId="{6A114068-6040-4243-8037-4A82180F7CAD}" dt="2024-03-24T10:03:07.692" v="216" actId="1076"/>
-          <ac:graphicFrameMkLst>
-            <pc:docMk/>
-            <pc:sldMk cId="3402309244" sldId="621"/>
-            <ac:graphicFrameMk id="6" creationId="{A94AD0DE-623F-0255-6A80-DDC210D4DFED}"/>
-          </ac:graphicFrameMkLst>
-        </pc:graphicFrameChg>
       </pc:sldChg>
     </pc:docChg>
   </pc:docChgLst>
@@ -1017,30 +488,6 @@
           <pc:docMk/>
           <pc:sldMk cId="2297208258" sldId="571"/>
         </pc:sldMkLst>
-        <pc:spChg chg="mod">
-          <ac:chgData name="Øyvind Wiig Petersen" userId="8db00c4c-acc5-4dea-8516-ccf730572e42" providerId="ADAL" clId="{ECD379D8-160C-4C9C-BFE8-1CDECE7F9FD3}" dt="2022-07-04T06:28:06.482" v="117" actId="5793"/>
-          <ac:spMkLst>
-            <pc:docMk/>
-            <pc:sldMk cId="2297208258" sldId="571"/>
-            <ac:spMk id="5" creationId="{43E741B6-393D-4033-89CC-D7BE537464FE}"/>
-          </ac:spMkLst>
-        </pc:spChg>
-        <pc:spChg chg="mod">
-          <ac:chgData name="Øyvind Wiig Petersen" userId="8db00c4c-acc5-4dea-8516-ccf730572e42" providerId="ADAL" clId="{ECD379D8-160C-4C9C-BFE8-1CDECE7F9FD3}" dt="2022-07-04T06:28:06.672" v="118" actId="5793"/>
-          <ac:spMkLst>
-            <pc:docMk/>
-            <pc:sldMk cId="2297208258" sldId="571"/>
-            <ac:spMk id="14" creationId="{0112A278-EF3B-40DB-8A7E-D8CE229C9AE5}"/>
-          </ac:spMkLst>
-        </pc:spChg>
-        <pc:spChg chg="mod">
-          <ac:chgData name="Øyvind Wiig Petersen" userId="8db00c4c-acc5-4dea-8516-ccf730572e42" providerId="ADAL" clId="{ECD379D8-160C-4C9C-BFE8-1CDECE7F9FD3}" dt="2022-07-04T06:28:06.135" v="116" actId="5793"/>
-          <ac:spMkLst>
-            <pc:docMk/>
-            <pc:sldMk cId="2297208258" sldId="571"/>
-            <ac:spMk id="16" creationId="{BB984C97-773B-4DA6-874B-E04994D9BC2F}"/>
-          </ac:spMkLst>
-        </pc:spChg>
       </pc:sldChg>
       <pc:sldChg chg="addSp modSp mod modAnim">
         <pc:chgData name="Øyvind Wiig Petersen" userId="8db00c4c-acc5-4dea-8516-ccf730572e42" providerId="ADAL" clId="{ECD379D8-160C-4C9C-BFE8-1CDECE7F9FD3}" dt="2022-07-04T06:30:02.997" v="153" actId="1076"/>
@@ -1048,22 +495,6 @@
           <pc:docMk/>
           <pc:sldMk cId="3155278157" sldId="574"/>
         </pc:sldMkLst>
-        <pc:spChg chg="mod">
-          <ac:chgData name="Øyvind Wiig Petersen" userId="8db00c4c-acc5-4dea-8516-ccf730572e42" providerId="ADAL" clId="{ECD379D8-160C-4C9C-BFE8-1CDECE7F9FD3}" dt="2022-07-04T06:30:01.516" v="152" actId="20577"/>
-          <ac:spMkLst>
-            <pc:docMk/>
-            <pc:sldMk cId="3155278157" sldId="574"/>
-            <ac:spMk id="16" creationId="{D62F65BD-7727-4136-90A8-BB9439706EE5}"/>
-          </ac:spMkLst>
-        </pc:spChg>
-        <pc:graphicFrameChg chg="add mod">
-          <ac:chgData name="Øyvind Wiig Petersen" userId="8db00c4c-acc5-4dea-8516-ccf730572e42" providerId="ADAL" clId="{ECD379D8-160C-4C9C-BFE8-1CDECE7F9FD3}" dt="2022-07-04T06:30:02.997" v="153" actId="1076"/>
-          <ac:graphicFrameMkLst>
-            <pc:docMk/>
-            <pc:sldMk cId="3155278157" sldId="574"/>
-            <ac:graphicFrameMk id="3" creationId="{1B235691-4FDB-3332-751E-315E4920E23A}"/>
-          </ac:graphicFrameMkLst>
-        </pc:graphicFrameChg>
       </pc:sldChg>
       <pc:sldChg chg="modSp mod">
         <pc:chgData name="Øyvind Wiig Petersen" userId="8db00c4c-acc5-4dea-8516-ccf730572e42" providerId="ADAL" clId="{ECD379D8-160C-4C9C-BFE8-1CDECE7F9FD3}" dt="2022-07-04T06:27:05.309" v="110" actId="20577"/>
@@ -1071,38 +502,6 @@
           <pc:docMk/>
           <pc:sldMk cId="725769110" sldId="575"/>
         </pc:sldMkLst>
-        <pc:spChg chg="mod">
-          <ac:chgData name="Øyvind Wiig Petersen" userId="8db00c4c-acc5-4dea-8516-ccf730572e42" providerId="ADAL" clId="{ECD379D8-160C-4C9C-BFE8-1CDECE7F9FD3}" dt="2022-07-04T06:27:05.309" v="110" actId="20577"/>
-          <ac:spMkLst>
-            <pc:docMk/>
-            <pc:sldMk cId="725769110" sldId="575"/>
-            <ac:spMk id="15" creationId="{3C72047E-0443-4134-9EFF-509B567C41D7}"/>
-          </ac:spMkLst>
-        </pc:spChg>
-        <pc:spChg chg="mod">
-          <ac:chgData name="Øyvind Wiig Petersen" userId="8db00c4c-acc5-4dea-8516-ccf730572e42" providerId="ADAL" clId="{ECD379D8-160C-4C9C-BFE8-1CDECE7F9FD3}" dt="2022-07-04T06:26:57.229" v="109" actId="1036"/>
-          <ac:spMkLst>
-            <pc:docMk/>
-            <pc:sldMk cId="725769110" sldId="575"/>
-            <ac:spMk id="21" creationId="{6141632D-4DE3-47EC-AD55-6A92D5C643F3}"/>
-          </ac:spMkLst>
-        </pc:spChg>
-        <pc:spChg chg="mod">
-          <ac:chgData name="Øyvind Wiig Petersen" userId="8db00c4c-acc5-4dea-8516-ccf730572e42" providerId="ADAL" clId="{ECD379D8-160C-4C9C-BFE8-1CDECE7F9FD3}" dt="2022-07-04T06:26:57.229" v="109" actId="1036"/>
-          <ac:spMkLst>
-            <pc:docMk/>
-            <pc:sldMk cId="725769110" sldId="575"/>
-            <ac:spMk id="22" creationId="{0DB045CA-1E3C-4D2B-A8CE-E4463E8B19CC}"/>
-          </ac:spMkLst>
-        </pc:spChg>
-        <pc:spChg chg="mod">
-          <ac:chgData name="Øyvind Wiig Petersen" userId="8db00c4c-acc5-4dea-8516-ccf730572e42" providerId="ADAL" clId="{ECD379D8-160C-4C9C-BFE8-1CDECE7F9FD3}" dt="2022-07-04T06:26:57.229" v="109" actId="1036"/>
-          <ac:spMkLst>
-            <pc:docMk/>
-            <pc:sldMk cId="725769110" sldId="575"/>
-            <ac:spMk id="23" creationId="{523D22CD-5FF1-4738-9E13-2BF1FD18CE31}"/>
-          </ac:spMkLst>
-        </pc:spChg>
       </pc:sldChg>
       <pc:sldChg chg="modSp mod">
         <pc:chgData name="Øyvind Wiig Petersen" userId="8db00c4c-acc5-4dea-8516-ccf730572e42" providerId="ADAL" clId="{ECD379D8-160C-4C9C-BFE8-1CDECE7F9FD3}" dt="2022-07-04T06:35:02.806" v="251" actId="114"/>
@@ -1110,22 +509,6 @@
           <pc:docMk/>
           <pc:sldMk cId="2641580211" sldId="612"/>
         </pc:sldMkLst>
-        <pc:spChg chg="mod">
-          <ac:chgData name="Øyvind Wiig Petersen" userId="8db00c4c-acc5-4dea-8516-ccf730572e42" providerId="ADAL" clId="{ECD379D8-160C-4C9C-BFE8-1CDECE7F9FD3}" dt="2022-07-04T06:35:02.806" v="251" actId="114"/>
-          <ac:spMkLst>
-            <pc:docMk/>
-            <pc:sldMk cId="2641580211" sldId="612"/>
-            <ac:spMk id="8" creationId="{A6A97F79-21C8-437E-8675-25D10A075694}"/>
-          </ac:spMkLst>
-        </pc:spChg>
-        <pc:spChg chg="mod">
-          <ac:chgData name="Øyvind Wiig Petersen" userId="8db00c4c-acc5-4dea-8516-ccf730572e42" providerId="ADAL" clId="{ECD379D8-160C-4C9C-BFE8-1CDECE7F9FD3}" dt="2022-07-04T06:28:41.902" v="131" actId="20577"/>
-          <ac:spMkLst>
-            <pc:docMk/>
-            <pc:sldMk cId="2641580211" sldId="612"/>
-            <ac:spMk id="15" creationId="{F14F9A16-6BD8-46D6-A85E-FEC353CB682C}"/>
-          </ac:spMkLst>
-        </pc:spChg>
       </pc:sldChg>
       <pc:sldChg chg="modSp mod">
         <pc:chgData name="Øyvind Wiig Petersen" userId="8db00c4c-acc5-4dea-8516-ccf730572e42" providerId="ADAL" clId="{ECD379D8-160C-4C9C-BFE8-1CDECE7F9FD3}" dt="2022-07-04T06:31:14.043" v="154"/>
@@ -1133,38 +516,6 @@
           <pc:docMk/>
           <pc:sldMk cId="820026693" sldId="613"/>
         </pc:sldMkLst>
-        <pc:spChg chg="mod">
-          <ac:chgData name="Øyvind Wiig Petersen" userId="8db00c4c-acc5-4dea-8516-ccf730572e42" providerId="ADAL" clId="{ECD379D8-160C-4C9C-BFE8-1CDECE7F9FD3}" dt="2022-07-01T09:20:09.589" v="3" actId="1076"/>
-          <ac:spMkLst>
-            <pc:docMk/>
-            <pc:sldMk cId="820026693" sldId="613"/>
-            <ac:spMk id="8" creationId="{6A90AA46-EF08-45BB-914B-2699A71707D1}"/>
-          </ac:spMkLst>
-        </pc:spChg>
-        <pc:spChg chg="mod">
-          <ac:chgData name="Øyvind Wiig Petersen" userId="8db00c4c-acc5-4dea-8516-ccf730572e42" providerId="ADAL" clId="{ECD379D8-160C-4C9C-BFE8-1CDECE7F9FD3}" dt="2022-07-01T09:19:59.068" v="2" actId="20577"/>
-          <ac:spMkLst>
-            <pc:docMk/>
-            <pc:sldMk cId="820026693" sldId="613"/>
-            <ac:spMk id="10" creationId="{F4B9DA77-DBA4-4046-8551-E98C50B30247}"/>
-          </ac:spMkLst>
-        </pc:spChg>
-        <pc:spChg chg="mod">
-          <ac:chgData name="Øyvind Wiig Petersen" userId="8db00c4c-acc5-4dea-8516-ccf730572e42" providerId="ADAL" clId="{ECD379D8-160C-4C9C-BFE8-1CDECE7F9FD3}" dt="2022-07-01T09:19:52.230" v="1" actId="20577"/>
-          <ac:spMkLst>
-            <pc:docMk/>
-            <pc:sldMk cId="820026693" sldId="613"/>
-            <ac:spMk id="23" creationId="{DF63CA27-0111-47E0-B41E-191D9F3008CA}"/>
-          </ac:spMkLst>
-        </pc:spChg>
-        <pc:graphicFrameChg chg="mod">
-          <ac:chgData name="Øyvind Wiig Petersen" userId="8db00c4c-acc5-4dea-8516-ccf730572e42" providerId="ADAL" clId="{ECD379D8-160C-4C9C-BFE8-1CDECE7F9FD3}" dt="2022-07-04T06:31:14.043" v="154"/>
-          <ac:graphicFrameMkLst>
-            <pc:docMk/>
-            <pc:sldMk cId="820026693" sldId="613"/>
-            <ac:graphicFrameMk id="6" creationId="{CDED016F-DF3D-4454-9E30-A755ABF7CFC8}"/>
-          </ac:graphicFrameMkLst>
-        </pc:graphicFrameChg>
       </pc:sldChg>
       <pc:sldChg chg="delSp modSp mod">
         <pc:chgData name="Øyvind Wiig Petersen" userId="8db00c4c-acc5-4dea-8516-ccf730572e42" providerId="ADAL" clId="{ECD379D8-160C-4C9C-BFE8-1CDECE7F9FD3}" dt="2022-07-04T07:37:14.133" v="352" actId="20577"/>
@@ -1172,54 +523,6 @@
           <pc:docMk/>
           <pc:sldMk cId="531684205" sldId="614"/>
         </pc:sldMkLst>
-        <pc:spChg chg="mod">
-          <ac:chgData name="Øyvind Wiig Petersen" userId="8db00c4c-acc5-4dea-8516-ccf730572e42" providerId="ADAL" clId="{ECD379D8-160C-4C9C-BFE8-1CDECE7F9FD3}" dt="2022-07-04T07:37:14.133" v="352" actId="20577"/>
-          <ac:spMkLst>
-            <pc:docMk/>
-            <pc:sldMk cId="531684205" sldId="614"/>
-            <ac:spMk id="9" creationId="{B1BB1BF2-F358-43A6-B4E7-119C44C27A20}"/>
-          </ac:spMkLst>
-        </pc:spChg>
-        <pc:graphicFrameChg chg="mod">
-          <ac:chgData name="Øyvind Wiig Petersen" userId="8db00c4c-acc5-4dea-8516-ccf730572e42" providerId="ADAL" clId="{ECD379D8-160C-4C9C-BFE8-1CDECE7F9FD3}" dt="2022-07-04T07:35:06.889" v="307" actId="14100"/>
-          <ac:graphicFrameMkLst>
-            <pc:docMk/>
-            <pc:sldMk cId="531684205" sldId="614"/>
-            <ac:graphicFrameMk id="3" creationId="{AA55359B-B755-4696-A2A2-CC81B99C5ECF}"/>
-          </ac:graphicFrameMkLst>
-        </pc:graphicFrameChg>
-        <pc:graphicFrameChg chg="mod">
-          <ac:chgData name="Øyvind Wiig Petersen" userId="8db00c4c-acc5-4dea-8516-ccf730572e42" providerId="ADAL" clId="{ECD379D8-160C-4C9C-BFE8-1CDECE7F9FD3}" dt="2022-07-04T07:34:56.324" v="271" actId="14100"/>
-          <ac:graphicFrameMkLst>
-            <pc:docMk/>
-            <pc:sldMk cId="531684205" sldId="614"/>
-            <ac:graphicFrameMk id="4" creationId="{ED6DE24D-FA28-4B16-8CE0-D549FEE1299F}"/>
-          </ac:graphicFrameMkLst>
-        </pc:graphicFrameChg>
-        <pc:graphicFrameChg chg="mod">
-          <ac:chgData name="Øyvind Wiig Petersen" userId="8db00c4c-acc5-4dea-8516-ccf730572e42" providerId="ADAL" clId="{ECD379D8-160C-4C9C-BFE8-1CDECE7F9FD3}" dt="2022-07-04T07:35:02.475" v="289" actId="14100"/>
-          <ac:graphicFrameMkLst>
-            <pc:docMk/>
-            <pc:sldMk cId="531684205" sldId="614"/>
-            <ac:graphicFrameMk id="6" creationId="{9A8EC5BB-399C-472F-9630-097A25F4DD8F}"/>
-          </ac:graphicFrameMkLst>
-        </pc:graphicFrameChg>
-        <pc:graphicFrameChg chg="mod">
-          <ac:chgData name="Øyvind Wiig Petersen" userId="8db00c4c-acc5-4dea-8516-ccf730572e42" providerId="ADAL" clId="{ECD379D8-160C-4C9C-BFE8-1CDECE7F9FD3}" dt="2022-07-04T07:35:55.120" v="310"/>
-          <ac:graphicFrameMkLst>
-            <pc:docMk/>
-            <pc:sldMk cId="531684205" sldId="614"/>
-            <ac:graphicFrameMk id="7" creationId="{037A4B10-36F6-4187-B246-EF11C638F11D}"/>
-          </ac:graphicFrameMkLst>
-        </pc:graphicFrameChg>
-        <pc:graphicFrameChg chg="del mod">
-          <ac:chgData name="Øyvind Wiig Petersen" userId="8db00c4c-acc5-4dea-8516-ccf730572e42" providerId="ADAL" clId="{ECD379D8-160C-4C9C-BFE8-1CDECE7F9FD3}" dt="2022-07-04T06:32:43.964" v="162" actId="478"/>
-          <ac:graphicFrameMkLst>
-            <pc:docMk/>
-            <pc:sldMk cId="531684205" sldId="614"/>
-            <ac:graphicFrameMk id="10" creationId="{CCFC9486-200A-47E8-972F-33AE698834F3}"/>
-          </ac:graphicFrameMkLst>
-        </pc:graphicFrameChg>
       </pc:sldChg>
       <pc:sldChg chg="modSp mod">
         <pc:chgData name="Øyvind Wiig Petersen" userId="8db00c4c-acc5-4dea-8516-ccf730572e42" providerId="ADAL" clId="{ECD379D8-160C-4C9C-BFE8-1CDECE7F9FD3}" dt="2022-07-04T06:33:48.247" v="249" actId="20577"/>
@@ -1227,14 +530,6 @@
           <pc:docMk/>
           <pc:sldMk cId="1861433934" sldId="615"/>
         </pc:sldMkLst>
-        <pc:spChg chg="mod">
-          <ac:chgData name="Øyvind Wiig Petersen" userId="8db00c4c-acc5-4dea-8516-ccf730572e42" providerId="ADAL" clId="{ECD379D8-160C-4C9C-BFE8-1CDECE7F9FD3}" dt="2022-07-04T06:33:48.247" v="249" actId="20577"/>
-          <ac:spMkLst>
-            <pc:docMk/>
-            <pc:sldMk cId="1861433934" sldId="615"/>
-            <ac:spMk id="5" creationId="{DD5CC789-6F91-4877-B073-2EA447E2F363}"/>
-          </ac:spMkLst>
-        </pc:spChg>
       </pc:sldChg>
       <pc:sldChg chg="modSp mod">
         <pc:chgData name="Øyvind Wiig Petersen" userId="8db00c4c-acc5-4dea-8516-ccf730572e42" providerId="ADAL" clId="{ECD379D8-160C-4C9C-BFE8-1CDECE7F9FD3}" dt="2022-07-04T07:34:37.762" v="258" actId="1076"/>
@@ -1242,30 +537,6 @@
           <pc:docMk/>
           <pc:sldMk cId="869930188" sldId="616"/>
         </pc:sldMkLst>
-        <pc:spChg chg="mod">
-          <ac:chgData name="Øyvind Wiig Petersen" userId="8db00c4c-acc5-4dea-8516-ccf730572e42" providerId="ADAL" clId="{ECD379D8-160C-4C9C-BFE8-1CDECE7F9FD3}" dt="2022-07-01T09:21:30.810" v="44" actId="14100"/>
-          <ac:spMkLst>
-            <pc:docMk/>
-            <pc:sldMk cId="869930188" sldId="616"/>
-            <ac:spMk id="11" creationId="{9A80B7C4-0DCD-4AF3-9A61-F56F178933B7}"/>
-          </ac:spMkLst>
-        </pc:spChg>
-        <pc:spChg chg="mod">
-          <ac:chgData name="Øyvind Wiig Petersen" userId="8db00c4c-acc5-4dea-8516-ccf730572e42" providerId="ADAL" clId="{ECD379D8-160C-4C9C-BFE8-1CDECE7F9FD3}" dt="2022-07-01T09:20:44.039" v="21" actId="21"/>
-          <ac:spMkLst>
-            <pc:docMk/>
-            <pc:sldMk cId="869930188" sldId="616"/>
-            <ac:spMk id="12" creationId="{124E94B8-1E8F-4BBD-B28F-A34A632FA3C9}"/>
-          </ac:spMkLst>
-        </pc:spChg>
-        <pc:graphicFrameChg chg="mod">
-          <ac:chgData name="Øyvind Wiig Petersen" userId="8db00c4c-acc5-4dea-8516-ccf730572e42" providerId="ADAL" clId="{ECD379D8-160C-4C9C-BFE8-1CDECE7F9FD3}" dt="2022-07-04T07:34:37.762" v="258" actId="1076"/>
-          <ac:graphicFrameMkLst>
-            <pc:docMk/>
-            <pc:sldMk cId="869930188" sldId="616"/>
-            <ac:graphicFrameMk id="8" creationId="{38E73B6A-532A-404A-951A-B12D82BDD233}"/>
-          </ac:graphicFrameMkLst>
-        </pc:graphicFrameChg>
       </pc:sldChg>
       <pc:sldChg chg="modSp add mod">
         <pc:chgData name="Øyvind Wiig Petersen" userId="8db00c4c-acc5-4dea-8516-ccf730572e42" providerId="ADAL" clId="{ECD379D8-160C-4C9C-BFE8-1CDECE7F9FD3}" dt="2022-07-04T06:26:48.903" v="94" actId="20577"/>
@@ -1273,14 +544,6 @@
           <pc:docMk/>
           <pc:sldMk cId="1834186742" sldId="618"/>
         </pc:sldMkLst>
-        <pc:spChg chg="mod">
-          <ac:chgData name="Øyvind Wiig Petersen" userId="8db00c4c-acc5-4dea-8516-ccf730572e42" providerId="ADAL" clId="{ECD379D8-160C-4C9C-BFE8-1CDECE7F9FD3}" dt="2022-07-04T06:26:48.903" v="94" actId="20577"/>
-          <ac:spMkLst>
-            <pc:docMk/>
-            <pc:sldMk cId="1834186742" sldId="618"/>
-            <ac:spMk id="13" creationId="{348DDC63-D03F-4E4B-B5C0-63C3F1A3BC59}"/>
-          </ac:spMkLst>
-        </pc:spChg>
       </pc:sldChg>
     </pc:docChg>
   </pc:docChgLst>
@@ -1297,14 +560,6 @@
           <pc:docMk/>
           <pc:sldMk cId="2392343102" sldId="579"/>
         </pc:sldMkLst>
-        <pc:graphicFrameChg chg="add mod">
-          <ac:chgData name="Øyvind Wiig Petersen" userId="8db00c4c-acc5-4dea-8516-ccf730572e42" providerId="ADAL" clId="{85FB1747-BFC5-476B-AB85-44AD0222CA47}" dt="2023-06-06T09:12:44.755" v="0"/>
-          <ac:graphicFrameMkLst>
-            <pc:docMk/>
-            <pc:sldMk cId="2392343102" sldId="579"/>
-            <ac:graphicFrameMk id="3" creationId="{31A4F877-1601-E8A1-1B8F-0BA1D3C78703}"/>
-          </ac:graphicFrameMkLst>
-        </pc:graphicFrameChg>
       </pc:sldChg>
     </pc:docChg>
   </pc:docChgLst>
@@ -1321,22 +576,6 @@
           <pc:docMk/>
           <pc:sldMk cId="2297208258" sldId="571"/>
         </pc:sldMkLst>
-        <pc:graphicFrameChg chg="mod">
-          <ac:chgData name="Øyvind Wiig Petersen" userId="8db00c4c-acc5-4dea-8516-ccf730572e42" providerId="ADAL" clId="{DBC82F51-F6D4-49E2-A846-FAFA5D0B8F7C}" dt="2022-08-10T09:27:18.909" v="0" actId="1037"/>
-          <ac:graphicFrameMkLst>
-            <pc:docMk/>
-            <pc:sldMk cId="2297208258" sldId="571"/>
-            <ac:graphicFrameMk id="10" creationId="{D8F763D9-4D6F-40E7-B5BD-6F7AF87E20DB}"/>
-          </ac:graphicFrameMkLst>
-        </pc:graphicFrameChg>
-        <pc:graphicFrameChg chg="mod">
-          <ac:chgData name="Øyvind Wiig Petersen" userId="8db00c4c-acc5-4dea-8516-ccf730572e42" providerId="ADAL" clId="{DBC82F51-F6D4-49E2-A846-FAFA5D0B8F7C}" dt="2022-08-10T09:27:21.038" v="1" actId="1037"/>
-          <ac:graphicFrameMkLst>
-            <pc:docMk/>
-            <pc:sldMk cId="2297208258" sldId="571"/>
-            <ac:graphicFrameMk id="11" creationId="{688A212D-7A40-4107-82D5-E554E25BA8B2}"/>
-          </ac:graphicFrameMkLst>
-        </pc:graphicFrameChg>
       </pc:sldChg>
       <pc:sldChg chg="modSp mod">
         <pc:chgData name="Øyvind Wiig Petersen" userId="8db00c4c-acc5-4dea-8516-ccf730572e42" providerId="ADAL" clId="{DBC82F51-F6D4-49E2-A846-FAFA5D0B8F7C}" dt="2022-08-10T09:30:39.862" v="12" actId="1036"/>
@@ -1344,30 +583,6 @@
           <pc:docMk/>
           <pc:sldMk cId="820026693" sldId="613"/>
         </pc:sldMkLst>
-        <pc:spChg chg="mod">
-          <ac:chgData name="Øyvind Wiig Petersen" userId="8db00c4c-acc5-4dea-8516-ccf730572e42" providerId="ADAL" clId="{DBC82F51-F6D4-49E2-A846-FAFA5D0B8F7C}" dt="2022-08-10T09:29:18.496" v="2" actId="14100"/>
-          <ac:spMkLst>
-            <pc:docMk/>
-            <pc:sldMk cId="820026693" sldId="613"/>
-            <ac:spMk id="23" creationId="{DF63CA27-0111-47E0-B41E-191D9F3008CA}"/>
-          </ac:spMkLst>
-        </pc:spChg>
-        <pc:graphicFrameChg chg="mod">
-          <ac:chgData name="Øyvind Wiig Petersen" userId="8db00c4c-acc5-4dea-8516-ccf730572e42" providerId="ADAL" clId="{DBC82F51-F6D4-49E2-A846-FAFA5D0B8F7C}" dt="2022-08-10T09:30:36.990" v="11" actId="1036"/>
-          <ac:graphicFrameMkLst>
-            <pc:docMk/>
-            <pc:sldMk cId="820026693" sldId="613"/>
-            <ac:graphicFrameMk id="5" creationId="{985C60EC-919F-4BF3-BEA0-EA6577C84365}"/>
-          </ac:graphicFrameMkLst>
-        </pc:graphicFrameChg>
-        <pc:graphicFrameChg chg="mod">
-          <ac:chgData name="Øyvind Wiig Petersen" userId="8db00c4c-acc5-4dea-8516-ccf730572e42" providerId="ADAL" clId="{DBC82F51-F6D4-49E2-A846-FAFA5D0B8F7C}" dt="2022-08-10T09:30:39.862" v="12" actId="1036"/>
-          <ac:graphicFrameMkLst>
-            <pc:docMk/>
-            <pc:sldMk cId="820026693" sldId="613"/>
-            <ac:graphicFrameMk id="6" creationId="{CDED016F-DF3D-4454-9E30-A755ABF7CFC8}"/>
-          </ac:graphicFrameMkLst>
-        </pc:graphicFrameChg>
       </pc:sldChg>
       <pc:sldChg chg="modSp mod">
         <pc:chgData name="Øyvind Wiig Petersen" userId="8db00c4c-acc5-4dea-8516-ccf730572e42" providerId="ADAL" clId="{DBC82F51-F6D4-49E2-A846-FAFA5D0B8F7C}" dt="2022-08-10T09:32:35.117" v="22" actId="20577"/>
@@ -1375,14 +590,6 @@
           <pc:docMk/>
           <pc:sldMk cId="1861433934" sldId="615"/>
         </pc:sldMkLst>
-        <pc:spChg chg="mod">
-          <ac:chgData name="Øyvind Wiig Petersen" userId="8db00c4c-acc5-4dea-8516-ccf730572e42" providerId="ADAL" clId="{DBC82F51-F6D4-49E2-A846-FAFA5D0B8F7C}" dt="2022-08-10T09:32:35.117" v="22" actId="20577"/>
-          <ac:spMkLst>
-            <pc:docMk/>
-            <pc:sldMk cId="1861433934" sldId="615"/>
-            <ac:spMk id="5" creationId="{DD5CC789-6F91-4877-B073-2EA447E2F363}"/>
-          </ac:spMkLst>
-        </pc:spChg>
       </pc:sldChg>
       <pc:sldChg chg="modSp mod">
         <pc:chgData name="Øyvind Wiig Petersen" userId="8db00c4c-acc5-4dea-8516-ccf730572e42" providerId="ADAL" clId="{DBC82F51-F6D4-49E2-A846-FAFA5D0B8F7C}" dt="2022-08-10T09:31:56.922" v="20"/>
@@ -1390,30 +597,6 @@
           <pc:docMk/>
           <pc:sldMk cId="869930188" sldId="616"/>
         </pc:sldMkLst>
-        <pc:graphicFrameChg chg="mod">
-          <ac:chgData name="Øyvind Wiig Petersen" userId="8db00c4c-acc5-4dea-8516-ccf730572e42" providerId="ADAL" clId="{DBC82F51-F6D4-49E2-A846-FAFA5D0B8F7C}" dt="2022-08-10T09:30:51.768" v="14"/>
-          <ac:graphicFrameMkLst>
-            <pc:docMk/>
-            <pc:sldMk cId="869930188" sldId="616"/>
-            <ac:graphicFrameMk id="5" creationId="{FA5DEB6B-E67E-45B3-984B-C80242972E97}"/>
-          </ac:graphicFrameMkLst>
-        </pc:graphicFrameChg>
-        <pc:graphicFrameChg chg="mod">
-          <ac:chgData name="Øyvind Wiig Petersen" userId="8db00c4c-acc5-4dea-8516-ccf730572e42" providerId="ADAL" clId="{DBC82F51-F6D4-49E2-A846-FAFA5D0B8F7C}" dt="2022-08-10T09:31:50.676" v="19" actId="1076"/>
-          <ac:graphicFrameMkLst>
-            <pc:docMk/>
-            <pc:sldMk cId="869930188" sldId="616"/>
-            <ac:graphicFrameMk id="7" creationId="{7367FC17-D168-42C5-8DA6-95EEA02C0D7B}"/>
-          </ac:graphicFrameMkLst>
-        </pc:graphicFrameChg>
-        <pc:graphicFrameChg chg="mod">
-          <ac:chgData name="Øyvind Wiig Petersen" userId="8db00c4c-acc5-4dea-8516-ccf730572e42" providerId="ADAL" clId="{DBC82F51-F6D4-49E2-A846-FAFA5D0B8F7C}" dt="2022-08-10T09:31:56.922" v="20"/>
-          <ac:graphicFrameMkLst>
-            <pc:docMk/>
-            <pc:sldMk cId="869930188" sldId="616"/>
-            <ac:graphicFrameMk id="8" creationId="{38E73B6A-532A-404A-951A-B12D82BDD233}"/>
-          </ac:graphicFrameMkLst>
-        </pc:graphicFrameChg>
       </pc:sldChg>
       <pc:sldChg chg="modSp mod">
         <pc:chgData name="Øyvind Wiig Petersen" userId="8db00c4c-acc5-4dea-8516-ccf730572e42" providerId="ADAL" clId="{DBC82F51-F6D4-49E2-A846-FAFA5D0B8F7C}" dt="2022-08-10T12:14:21.166" v="25" actId="20577"/>
@@ -1421,14 +604,6 @@
           <pc:docMk/>
           <pc:sldMk cId="1834186742" sldId="618"/>
         </pc:sldMkLst>
-        <pc:spChg chg="mod">
-          <ac:chgData name="Øyvind Wiig Petersen" userId="8db00c4c-acc5-4dea-8516-ccf730572e42" providerId="ADAL" clId="{DBC82F51-F6D4-49E2-A846-FAFA5D0B8F7C}" dt="2022-08-10T12:14:21.166" v="25" actId="20577"/>
-          <ac:spMkLst>
-            <pc:docMk/>
-            <pc:sldMk cId="1834186742" sldId="618"/>
-            <ac:spMk id="13" creationId="{348DDC63-D03F-4E4B-B5C0-63C3F1A3BC59}"/>
-          </ac:spMkLst>
-        </pc:spChg>
       </pc:sldChg>
     </pc:docChg>
   </pc:docChgLst>
@@ -1517,7 +692,7 @@
           <a:p>
             <a:fld id="{A5900E29-18E1-4109-AAA1-F28C0AAA934D}" type="datetimeFigureOut">
               <a:rPr lang="en-US" smtClean="0"/>
-              <a:t>4/2/2024</a:t>
+              <a:t>4/21/2025</a:t>
             </a:fld>
             <a:endParaRPr lang="en-US"/>
           </a:p>
@@ -1682,7 +857,7 @@
           <a:p>
             <a:fld id="{9202B75C-0EBB-4B30-BBC4-C5E69FFFE7FE}" type="datetimeFigureOut">
               <a:rPr lang="nb-NO" smtClean="0"/>
-              <a:t>02.04.2024</a:t>
+              <a:t>21.04.2025</a:t>
             </a:fld>
             <a:endParaRPr lang="nb-NO"/>
           </a:p>
@@ -6959,7 +6134,7 @@
           <p:nvPr>
             <p:extLst>
               <p:ext uri="{D42A27DB-BD31-4B8C-83A1-F6EECF244321}">
-                <p14:modId xmlns:p14="http://schemas.microsoft.com/office/powerpoint/2010/main" val="4281182952"/>
+                <p14:modId xmlns:p14="http://schemas.microsoft.com/office/powerpoint/2010/main" val="944255247"/>
               </p:ext>
             </p:extLst>
           </p:nvPr>
@@ -7315,8 +6490,25 @@
                 <a:latin typeface="Arial" panose="020B0604020202020204" pitchFamily="34" charset="0"/>
                 <a:cs typeface="Arial" panose="020B0604020202020204" pitchFamily="34" charset="0"/>
               </a:rPr>
-              <a:t>Introduction to Random Signals and Applied Kalman Filtering, p 204</a:t>
-            </a:r>
+              <a:t>Introduction to Random Signals and Applied Kalman Filtering, </a:t>
+            </a:r>
+            <a:r>
+              <a:rPr lang="en-US" sz="1400">
+                <a:solidFill>
+                  <a:schemeClr val="tx1"/>
+                </a:solidFill>
+                <a:latin typeface="Arial" panose="020B0604020202020204" pitchFamily="34" charset="0"/>
+                <a:cs typeface="Arial" panose="020B0604020202020204" pitchFamily="34" charset="0"/>
+              </a:rPr>
+              <a:t>p 199</a:t>
+            </a:r>
+            <a:endParaRPr lang="en-US" sz="1400" dirty="0">
+              <a:solidFill>
+                <a:schemeClr val="tx1"/>
+              </a:solidFill>
+              <a:latin typeface="Arial" panose="020B0604020202020204" pitchFamily="34" charset="0"/>
+              <a:cs typeface="Arial" panose="020B0604020202020204" pitchFamily="34" charset="0"/>
+            </a:endParaRPr>
           </a:p>
         </p:txBody>
       </p:sp>
@@ -14793,21 +13985,6 @@
 </file>
 
 <file path=customXml/item1.xml><?xml version="1.0" encoding="utf-8"?>
-<p:properties xmlns:p="http://schemas.microsoft.com/office/2006/metadata/properties" xmlns:xsi="http://www.w3.org/2001/XMLSchema-instance" xmlns:pc="http://schemas.microsoft.com/office/infopath/2007/PartnerControls">
-  <documentManagement/>
-</p:properties>
-</file>
-
-<file path=customXml/item2.xml><?xml version="1.0" encoding="utf-8"?>
-<?mso-contentType ?>
-<FormTemplates xmlns="http://schemas.microsoft.com/sharepoint/v3/contenttype/forms">
-  <Display>DocumentLibraryForm</Display>
-  <Edit>DocumentLibraryForm</Edit>
-  <New>DocumentLibraryForm</New>
-</FormTemplates>
-</file>
-
-<file path=customXml/item3.xml><?xml version="1.0" encoding="utf-8"?>
 <ct:contentTypeSchema xmlns:ct="http://schemas.microsoft.com/office/2006/metadata/contentType" xmlns:ma="http://schemas.microsoft.com/office/2006/metadata/properties/metaAttributes" ct:_="" ma:_="" ma:contentTypeName="Document" ma:contentTypeID="0x0101005211F725C9B5C4468CB16BF006DC038E" ma:contentTypeVersion="14" ma:contentTypeDescription="Create a new document." ma:contentTypeScope="" ma:versionID="8fc18fa9082498103a389be71d804ccc">
   <xsd:schema xmlns:xsd="http://www.w3.org/2001/XMLSchema" xmlns:xs="http://www.w3.org/2001/XMLSchema" xmlns:p="http://schemas.microsoft.com/office/2006/metadata/properties" xmlns:ns3="bb43da5c-49da-475c-8c5c-3244aed61b0c" xmlns:ns4="c946b7e2-cc54-4581-898e-1f5d59eaacce" targetNamespace="http://schemas.microsoft.com/office/2006/metadata/properties" ma:root="true" ma:fieldsID="bd6a4fdcec273fc91dcb004f2a676485" ns3:_="" ns4:_="">
     <xsd:import namespace="bb43da5c-49da-475c-8c5c-3244aed61b0c"/>
@@ -15036,7 +14213,41 @@
 </ct:contentTypeSchema>
 </file>
 
+<file path=customXml/item2.xml><?xml version="1.0" encoding="utf-8"?>
+<p:properties xmlns:p="http://schemas.microsoft.com/office/2006/metadata/properties" xmlns:xsi="http://www.w3.org/2001/XMLSchema-instance" xmlns:pc="http://schemas.microsoft.com/office/infopath/2007/PartnerControls">
+  <documentManagement/>
+</p:properties>
+</file>
+
+<file path=customXml/item3.xml><?xml version="1.0" encoding="utf-8"?>
+<?mso-contentType ?>
+<FormTemplates xmlns="http://schemas.microsoft.com/sharepoint/v3/contenttype/forms">
+  <Display>DocumentLibraryForm</Display>
+  <Edit>DocumentLibraryForm</Edit>
+  <New>DocumentLibraryForm</New>
+</FormTemplates>
+</file>
+
 <file path=customXml/itemProps1.xml><?xml version="1.0" encoding="utf-8"?>
+<ds:datastoreItem xmlns:ds="http://schemas.openxmlformats.org/officeDocument/2006/customXml" ds:itemID="{12D208BF-EEC9-45B6-8386-1DCA7AC396C0}">
+  <ds:schemaRefs>
+    <ds:schemaRef ds:uri="http://schemas.microsoft.com/office/2006/metadata/contentType"/>
+    <ds:schemaRef ds:uri="http://schemas.microsoft.com/office/2006/metadata/properties/metaAttributes"/>
+    <ds:schemaRef ds:uri="http://www.w3.org/2001/XMLSchema"/>
+    <ds:schemaRef ds:uri="http://schemas.microsoft.com/office/2006/metadata/properties"/>
+    <ds:schemaRef ds:uri="bb43da5c-49da-475c-8c5c-3244aed61b0c"/>
+    <ds:schemaRef ds:uri="c946b7e2-cc54-4581-898e-1f5d59eaacce"/>
+    <ds:schemaRef ds:uri="http://schemas.microsoft.com/office/2006/documentManagement/types"/>
+    <ds:schemaRef ds:uri="http://schemas.microsoft.com/office/infopath/2007/PartnerControls"/>
+    <ds:schemaRef ds:uri="http://schemas.openxmlformats.org/package/2006/metadata/core-properties"/>
+    <ds:schemaRef ds:uri="http://purl.org/dc/elements/1.1/"/>
+    <ds:schemaRef ds:uri="http://purl.org/dc/terms/"/>
+    <ds:schemaRef ds:uri="http://schemas.microsoft.com/internal/obd"/>
+  </ds:schemaRefs>
+</ds:datastoreItem>
+</file>
+
+<file path=customXml/itemProps2.xml><?xml version="1.0" encoding="utf-8"?>
 <ds:datastoreItem xmlns:ds="http://schemas.openxmlformats.org/officeDocument/2006/customXml" ds:itemID="{EC2C04E8-859A-4A48-8B82-9D65E9A426FA}">
   <ds:schemaRefs>
     <ds:schemaRef ds:uri="http://purl.org/dc/terms/"/>
@@ -15053,29 +14264,10 @@
 </ds:datastoreItem>
 </file>
 
-<file path=customXml/itemProps2.xml><?xml version="1.0" encoding="utf-8"?>
+<file path=customXml/itemProps3.xml><?xml version="1.0" encoding="utf-8"?>
 <ds:datastoreItem xmlns:ds="http://schemas.openxmlformats.org/officeDocument/2006/customXml" ds:itemID="{09F3C062-D38F-48CE-91BA-6E0D2C668D03}">
   <ds:schemaRefs>
     <ds:schemaRef ds:uri="http://schemas.microsoft.com/sharepoint/v3/contenttype/forms"/>
   </ds:schemaRefs>
 </ds:datastoreItem>
-</file>
-
-<file path=customXml/itemProps3.xml><?xml version="1.0" encoding="utf-8"?>
-<ds:datastoreItem xmlns:ds="http://schemas.openxmlformats.org/officeDocument/2006/customXml" ds:itemID="{12D208BF-EEC9-45B6-8386-1DCA7AC396C0}">
-  <ds:schemaRefs>
-    <ds:schemaRef ds:uri="http://schemas.microsoft.com/office/2006/metadata/contentType"/>
-    <ds:schemaRef ds:uri="http://schemas.microsoft.com/office/2006/metadata/properties/metaAttributes"/>
-    <ds:schemaRef ds:uri="http://www.w3.org/2001/XMLSchema"/>
-    <ds:schemaRef ds:uri="http://schemas.microsoft.com/office/2006/metadata/properties"/>
-    <ds:schemaRef ds:uri="bb43da5c-49da-475c-8c5c-3244aed61b0c"/>
-    <ds:schemaRef ds:uri="c946b7e2-cc54-4581-898e-1f5d59eaacce"/>
-    <ds:schemaRef ds:uri="http://schemas.microsoft.com/office/2006/documentManagement/types"/>
-    <ds:schemaRef ds:uri="http://schemas.microsoft.com/office/infopath/2007/PartnerControls"/>
-    <ds:schemaRef ds:uri="http://schemas.openxmlformats.org/package/2006/metadata/core-properties"/>
-    <ds:schemaRef ds:uri="http://purl.org/dc/elements/1.1/"/>
-    <ds:schemaRef ds:uri="http://purl.org/dc/terms/"/>
-    <ds:schemaRef ds:uri="http://schemas.microsoft.com/internal/obd"/>
-  </ds:schemaRefs>
-</ds:datastoreItem>
 </file>